--- a/poster.pptx
+++ b/poster.pptx
@@ -3024,7 +3024,7 @@
         <p:spPr>
           <a:xfrm>
             <a:off x="1798067" y="4634073"/>
-            <a:ext cx="19234372" cy="5409516"/>
+            <a:ext cx="19234372" cy="4786509"/>
           </a:xfrm>
           <a:prstGeom prst="snipRoundRect">
             <a:avLst/>
@@ -3088,23 +3088,12 @@
             </a:r>
             <a:r>
               <a:rPr lang="en-US" altLang="zh-TW" sz="4200" dirty="0" smtClean="0"/>
-              <a:t>mobile HMD will replace </a:t>
-            </a:r>
-            <a:r>
-              <a:rPr lang="en-US" altLang="zh-TW" sz="4200" dirty="0"/>
-              <a:t>glasses and some smart phone </a:t>
-            </a:r>
-            <a:r>
-              <a:rPr lang="en-US" altLang="zh-TW" sz="4200" dirty="0" smtClean="0"/>
-              <a:t>functions, which </a:t>
+              <a:t>mobile HMD will </a:t>
             </a:r>
             <a:r>
               <a:rPr lang="en-US" altLang="zh-TW" sz="4200" dirty="0" smtClean="0"/>
               <a:t>exist in people‘s daily lives.</a:t>
             </a:r>
-            <a:endParaRPr lang="en-US" altLang="zh-TW" sz="4200" dirty="0" smtClean="0"/>
-          </a:p>
-          <a:p>
             <a:endParaRPr lang="en-US" altLang="zh-TW" sz="4200" dirty="0" smtClean="0"/>
           </a:p>
           <a:p>
@@ -3417,7 +3406,7 @@
         </p:nvSpPr>
         <p:spPr>
           <a:xfrm>
-            <a:off x="1798067" y="11597972"/>
+            <a:off x="1798067" y="11513307"/>
             <a:ext cx="19234372" cy="10871974"/>
           </a:xfrm>
           <a:prstGeom prst="snipRoundRect">
@@ -3544,7 +3533,7 @@
         </p:nvGrpSpPr>
         <p:grpSpPr>
           <a:xfrm>
-            <a:off x="13972688" y="9403174"/>
+            <a:off x="14128467" y="8732946"/>
             <a:ext cx="7059751" cy="2865026"/>
             <a:chOff x="11415253" y="10082571"/>
             <a:chExt cx="9619137" cy="3485945"/>
@@ -3597,30 +3586,6 @@
           </p:spPr>
         </p:pic>
       </p:grpSp>
-      <p:pic>
-        <p:nvPicPr>
-          <p:cNvPr id="19" name="圖片 18"/>
-          <p:cNvPicPr>
-            <a:picLocks/>
-          </p:cNvPicPr>
-          <p:nvPr/>
-        </p:nvPicPr>
-        <p:blipFill>
-          <a:blip r:embed="rId4"/>
-          <a:stretch>
-            <a:fillRect/>
-          </a:stretch>
-        </p:blipFill>
-        <p:spPr>
-          <a:xfrm>
-            <a:off x="6132501" y="16774809"/>
-            <a:ext cx="13293695" cy="4335780"/>
-          </a:xfrm>
-          <a:prstGeom prst="rect">
-            <a:avLst/>
-          </a:prstGeom>
-        </p:spPr>
-      </p:pic>
       <p:grpSp>
         <p:nvGrpSpPr>
           <p:cNvPr id="8" name="群組 7"/>
@@ -3727,7 +3692,7 @@
           <p:nvPr/>
         </p:nvPicPr>
         <p:blipFill rotWithShape="1">
-          <a:blip r:embed="rId5"/>
+          <a:blip r:embed="rId4"/>
           <a:srcRect l="9168" t="8467" r="580" b="8200"/>
           <a:stretch/>
         </p:blipFill>
@@ -3750,7 +3715,7 @@
           <p:nvPr/>
         </p:nvPicPr>
         <p:blipFill rotWithShape="1">
-          <a:blip r:embed="rId6"/>
+          <a:blip r:embed="rId5"/>
           <a:srcRect l="9747" t="7754" r="-99" b="9180"/>
           <a:stretch/>
         </p:blipFill>
@@ -3758,6 +3723,30 @@
           <a:xfrm>
             <a:off x="4594636" y="24326894"/>
             <a:ext cx="2796988" cy="2088777"/>
+          </a:xfrm>
+          <a:prstGeom prst="rect">
+            <a:avLst/>
+          </a:prstGeom>
+        </p:spPr>
+      </p:pic>
+      <p:pic>
+        <p:nvPicPr>
+          <p:cNvPr id="24" name="圖片 23"/>
+          <p:cNvPicPr>
+            <a:picLocks/>
+          </p:cNvPicPr>
+          <p:nvPr/>
+        </p:nvPicPr>
+        <p:blipFill>
+          <a:blip r:embed="rId6"/>
+          <a:stretch>
+            <a:fillRect/>
+          </a:stretch>
+        </p:blipFill>
+        <p:spPr>
+          <a:xfrm>
+            <a:off x="5993130" y="16699311"/>
+            <a:ext cx="14547003" cy="4335780"/>
           </a:xfrm>
           <a:prstGeom prst="rect">
             <a:avLst/>

--- a/poster.pptx
+++ b/poster.pptx
@@ -5,7 +5,8 @@
     <p:sldMasterId id="2147483684" r:id="rId1"/>
   </p:sldMasterIdLst>
   <p:sldIdLst>
-    <p:sldId id="256" r:id="rId2"/>
+    <p:sldId id="258" r:id="rId2"/>
+    <p:sldId id="257" r:id="rId3"/>
   </p:sldIdLst>
   <p:sldSz cx="21383625" cy="30275213"/>
   <p:notesSz cx="6858000" cy="9144000"/>
@@ -104,6 +105,32 @@
       </a:defRPr>
     </a:lvl9pPr>
   </p:defaultTextStyle>
+  <p:extLst>
+    <p:ext uri="{521415D9-36F7-43E2-AB2F-B90AF26B5E84}">
+      <p14:sectionLst xmlns:p14="http://schemas.microsoft.com/office/powerpoint/2010/main">
+        <p14:section name="未命名的章節" id="{B0BB86C0-01AD-4D10-89C3-8FEFE6DA2DB7}">
+          <p14:sldIdLst>
+            <p14:sldId id="258"/>
+            <p14:sldId id="257"/>
+          </p14:sldIdLst>
+        </p14:section>
+      </p14:sectionLst>
+    </p:ext>
+    <p:ext uri="{EFAFB233-063F-42B5-8137-9DF3F51BA10A}">
+      <p15:sldGuideLst xmlns:p15="http://schemas.microsoft.com/office/powerpoint/2012/main">
+        <p15:guide id="1" orient="horz" pos="9608" userDrawn="1">
+          <p15:clr>
+            <a:srgbClr val="A4A3A4"/>
+          </p15:clr>
+        </p15:guide>
+        <p15:guide id="2" pos="6711" userDrawn="1">
+          <p15:clr>
+            <a:srgbClr val="A4A3A4"/>
+          </p15:clr>
+        </p15:guide>
+      </p15:sldGuideLst>
+    </p:ext>
+  </p:extLst>
 </p:presentation>
 </file>
 
@@ -238,7 +265,7 @@
           <a:p>
             <a:fld id="{1B499599-3BE0-4D13-B99C-86857EEDA2B9}" type="datetimeFigureOut">
               <a:rPr lang="zh-TW" altLang="en-US" smtClean="0"/>
-              <a:t>2019/6/20</a:t>
+              <a:t>2019/6/23</a:t>
             </a:fld>
             <a:endParaRPr lang="zh-TW" altLang="en-US"/>
           </a:p>
@@ -408,7 +435,7 @@
           <a:p>
             <a:fld id="{1B499599-3BE0-4D13-B99C-86857EEDA2B9}" type="datetimeFigureOut">
               <a:rPr lang="zh-TW" altLang="en-US" smtClean="0"/>
-              <a:t>2019/6/20</a:t>
+              <a:t>2019/6/23</a:t>
             </a:fld>
             <a:endParaRPr lang="zh-TW" altLang="en-US"/>
           </a:p>
@@ -588,7 +615,7 @@
           <a:p>
             <a:fld id="{1B499599-3BE0-4D13-B99C-86857EEDA2B9}" type="datetimeFigureOut">
               <a:rPr lang="zh-TW" altLang="en-US" smtClean="0"/>
-              <a:t>2019/6/20</a:t>
+              <a:t>2019/6/23</a:t>
             </a:fld>
             <a:endParaRPr lang="zh-TW" altLang="en-US"/>
           </a:p>
@@ -758,7 +785,7 @@
           <a:p>
             <a:fld id="{1B499599-3BE0-4D13-B99C-86857EEDA2B9}" type="datetimeFigureOut">
               <a:rPr lang="zh-TW" altLang="en-US" smtClean="0"/>
-              <a:t>2019/6/20</a:t>
+              <a:t>2019/6/23</a:t>
             </a:fld>
             <a:endParaRPr lang="zh-TW" altLang="en-US"/>
           </a:p>
@@ -1002,7 +1029,7 @@
           <a:p>
             <a:fld id="{1B499599-3BE0-4D13-B99C-86857EEDA2B9}" type="datetimeFigureOut">
               <a:rPr lang="zh-TW" altLang="en-US" smtClean="0"/>
-              <a:t>2019/6/20</a:t>
+              <a:t>2019/6/23</a:t>
             </a:fld>
             <a:endParaRPr lang="zh-TW" altLang="en-US"/>
           </a:p>
@@ -1234,7 +1261,7 @@
           <a:p>
             <a:fld id="{1B499599-3BE0-4D13-B99C-86857EEDA2B9}" type="datetimeFigureOut">
               <a:rPr lang="zh-TW" altLang="en-US" smtClean="0"/>
-              <a:t>2019/6/20</a:t>
+              <a:t>2019/6/23</a:t>
             </a:fld>
             <a:endParaRPr lang="zh-TW" altLang="en-US"/>
           </a:p>
@@ -1601,7 +1628,7 @@
           <a:p>
             <a:fld id="{1B499599-3BE0-4D13-B99C-86857EEDA2B9}" type="datetimeFigureOut">
               <a:rPr lang="zh-TW" altLang="en-US" smtClean="0"/>
-              <a:t>2019/6/20</a:t>
+              <a:t>2019/6/23</a:t>
             </a:fld>
             <a:endParaRPr lang="zh-TW" altLang="en-US"/>
           </a:p>
@@ -1719,7 +1746,7 @@
           <a:p>
             <a:fld id="{1B499599-3BE0-4D13-B99C-86857EEDA2B9}" type="datetimeFigureOut">
               <a:rPr lang="zh-TW" altLang="en-US" smtClean="0"/>
-              <a:t>2019/6/20</a:t>
+              <a:t>2019/6/23</a:t>
             </a:fld>
             <a:endParaRPr lang="zh-TW" altLang="en-US"/>
           </a:p>
@@ -1814,7 +1841,7 @@
           <a:p>
             <a:fld id="{1B499599-3BE0-4D13-B99C-86857EEDA2B9}" type="datetimeFigureOut">
               <a:rPr lang="zh-TW" altLang="en-US" smtClean="0"/>
-              <a:t>2019/6/20</a:t>
+              <a:t>2019/6/23</a:t>
             </a:fld>
             <a:endParaRPr lang="zh-TW" altLang="en-US"/>
           </a:p>
@@ -2091,7 +2118,7 @@
           <a:p>
             <a:fld id="{1B499599-3BE0-4D13-B99C-86857EEDA2B9}" type="datetimeFigureOut">
               <a:rPr lang="zh-TW" altLang="en-US" smtClean="0"/>
-              <a:t>2019/6/20</a:t>
+              <a:t>2019/6/23</a:t>
             </a:fld>
             <a:endParaRPr lang="zh-TW" altLang="en-US"/>
           </a:p>
@@ -2348,7 +2375,7 @@
           <a:p>
             <a:fld id="{1B499599-3BE0-4D13-B99C-86857EEDA2B9}" type="datetimeFigureOut">
               <a:rPr lang="zh-TW" altLang="en-US" smtClean="0"/>
-              <a:t>2019/6/20</a:t>
+              <a:t>2019/6/23</a:t>
             </a:fld>
             <a:endParaRPr lang="zh-TW" altLang="en-US"/>
           </a:p>
@@ -2561,7 +2588,7 @@
           <a:p>
             <a:fld id="{1B499599-3BE0-4D13-B99C-86857EEDA2B9}" type="datetimeFigureOut">
               <a:rPr lang="zh-TW" altLang="en-US" smtClean="0"/>
-              <a:t>2019/6/20</a:t>
+              <a:t>2019/6/23</a:t>
             </a:fld>
             <a:endParaRPr lang="zh-TW" altLang="en-US"/>
           </a:p>
@@ -3088,13 +3115,8 @@
             </a:r>
             <a:r>
               <a:rPr lang="en-US" altLang="zh-TW" sz="4200" dirty="0" smtClean="0"/>
-              <a:t>mobile HMD will </a:t>
-            </a:r>
-            <a:r>
-              <a:rPr lang="en-US" altLang="zh-TW" sz="4200" dirty="0" smtClean="0"/>
-              <a:t>exist in people‘s daily lives.</a:t>
-            </a:r>
-            <a:endParaRPr lang="en-US" altLang="zh-TW" sz="4200" dirty="0" smtClean="0"/>
+              <a:t>mobile HMD will exist in people‘s daily lives.</a:t>
+            </a:r>
           </a:p>
           <a:p>
             <a:r>
@@ -3178,7 +3200,7 @@
           <a:p>
             <a:r>
               <a:rPr lang="en-US" altLang="zh-TW" b="1" i="1" dirty="0" smtClean="0"/>
-              <a:t>					</a:t>
+              <a:t>				</a:t>
             </a:r>
             <a:r>
               <a:rPr lang="en-US" altLang="zh-TW" b="1" i="1" dirty="0" err="1" smtClean="0"/>
@@ -3481,11 +3503,7 @@
             </a:r>
             <a:r>
               <a:rPr lang="en-US" altLang="zh-TW" sz="4200" dirty="0" smtClean="0"/>
-              <a:t>Save the depth data and infrared image </a:t>
-            </a:r>
-            <a:r>
-              <a:rPr lang="en-US" altLang="zh-TW" sz="4200" dirty="0" smtClean="0"/>
-              <a:t>from depth camera</a:t>
+              <a:t>Save the depth data and infrared image from depth camera</a:t>
             </a:r>
           </a:p>
           <a:p>
@@ -3756,13 +3774,2237 @@
     </p:spTree>
     <p:extLst>
       <p:ext uri="{BB962C8B-B14F-4D97-AF65-F5344CB8AC3E}">
-        <p14:creationId xmlns:p14="http://schemas.microsoft.com/office/powerpoint/2010/main" val="691328485"/>
+        <p14:creationId xmlns:p14="http://schemas.microsoft.com/office/powerpoint/2010/main" val="4011794857"/>
       </p:ext>
     </p:extLst>
   </p:cSld>
   <p:clrMapOvr>
     <a:masterClrMapping/>
   </p:clrMapOvr>
+  <p:timing>
+    <p:tnLst>
+      <p:par>
+        <p:cTn id="1" dur="indefinite" restart="never" nodeType="tmRoot"/>
+      </p:par>
+    </p:tnLst>
+  </p:timing>
+</p:sld>
+</file>
+
+<file path=ppt/slides/slide2.xml><?xml version="1.0" encoding="utf-8"?>
+<p:sld xmlns:a="http://schemas.openxmlformats.org/drawingml/2006/main" xmlns:r="http://schemas.openxmlformats.org/officeDocument/2006/relationships" xmlns:p="http://schemas.openxmlformats.org/presentationml/2006/main">
+  <p:cSld>
+    <p:spTree>
+      <p:nvGrpSpPr>
+        <p:cNvPr id="1" name=""/>
+        <p:cNvGrpSpPr/>
+        <p:nvPr/>
+      </p:nvGrpSpPr>
+      <p:grpSpPr>
+        <a:xfrm>
+          <a:off x="0" y="0"/>
+          <a:ext cx="0" cy="0"/>
+          <a:chOff x="0" y="0"/>
+          <a:chExt cx="0" cy="0"/>
+        </a:xfrm>
+      </p:grpSpPr>
+      <p:sp>
+        <p:nvSpPr>
+          <p:cNvPr id="4" name="圓角矩形 3"/>
+          <p:cNvSpPr/>
+          <p:nvPr/>
+        </p:nvSpPr>
+        <p:spPr>
+          <a:xfrm>
+            <a:off x="537662" y="498763"/>
+            <a:ext cx="20244156" cy="2643021"/>
+          </a:xfrm>
+          <a:prstGeom prst="roundRect">
+            <a:avLst/>
+          </a:prstGeom>
+          <a:solidFill>
+            <a:srgbClr val="2D3A80"/>
+          </a:solidFill>
+        </p:spPr>
+        <p:style>
+          <a:lnRef idx="2">
+            <a:schemeClr val="accent1">
+              <a:shade val="50000"/>
+            </a:schemeClr>
+          </a:lnRef>
+          <a:fillRef idx="1">
+            <a:schemeClr val="accent1"/>
+          </a:fillRef>
+          <a:effectRef idx="0">
+            <a:schemeClr val="accent1"/>
+          </a:effectRef>
+          <a:fontRef idx="minor">
+            <a:schemeClr val="lt1"/>
+          </a:fontRef>
+        </p:style>
+        <p:txBody>
+          <a:bodyPr rtlCol="0" anchor="ctr"/>
+          <a:lstStyle/>
+          <a:p>
+            <a:r>
+              <a:rPr lang="en-US" altLang="zh-TW" sz="6000" dirty="0" smtClean="0">
+                <a:solidFill>
+                  <a:schemeClr val="bg1"/>
+                </a:solidFill>
+              </a:rPr>
+              <a:t>Enhance The </a:t>
+            </a:r>
+            <a:r>
+              <a:rPr lang="en-US" altLang="zh-TW" sz="6000" dirty="0">
+                <a:solidFill>
+                  <a:schemeClr val="bg1"/>
+                </a:solidFill>
+              </a:rPr>
+              <a:t>I</a:t>
+            </a:r>
+            <a:r>
+              <a:rPr lang="en-US" altLang="zh-TW" sz="6000" dirty="0" smtClean="0">
+                <a:solidFill>
+                  <a:schemeClr val="bg1"/>
+                </a:solidFill>
+              </a:rPr>
+              <a:t>nteraction of Glasses or Head-Mounted </a:t>
+            </a:r>
+            <a:r>
+              <a:rPr lang="en-US" altLang="zh-TW" sz="6000" dirty="0">
+                <a:solidFill>
+                  <a:schemeClr val="bg1"/>
+                </a:solidFill>
+              </a:rPr>
+              <a:t>D</a:t>
+            </a:r>
+            <a:r>
+              <a:rPr lang="en-US" altLang="zh-TW" sz="6000" dirty="0" smtClean="0">
+                <a:solidFill>
+                  <a:schemeClr val="bg1"/>
+                </a:solidFill>
+              </a:rPr>
+              <a:t>isplays On a Surface</a:t>
+            </a:r>
+            <a:endParaRPr lang="zh-TW" altLang="zh-TW" sz="6000" dirty="0">
+              <a:solidFill>
+                <a:schemeClr val="bg1"/>
+              </a:solidFill>
+            </a:endParaRPr>
+          </a:p>
+        </p:txBody>
+      </p:sp>
+      <p:sp>
+        <p:nvSpPr>
+          <p:cNvPr id="2" name="文字方塊 1"/>
+          <p:cNvSpPr txBox="1"/>
+          <p:nvPr/>
+        </p:nvSpPr>
+        <p:spPr>
+          <a:xfrm>
+            <a:off x="11611782" y="2579896"/>
+            <a:ext cx="8925457" cy="523220"/>
+          </a:xfrm>
+          <a:prstGeom prst="rect">
+            <a:avLst/>
+          </a:prstGeom>
+          <a:noFill/>
+        </p:spPr>
+        <p:txBody>
+          <a:bodyPr wrap="none" rtlCol="0">
+            <a:spAutoFit/>
+          </a:bodyPr>
+          <a:lstStyle/>
+          <a:p>
+            <a:r>
+              <a:rPr lang="en-US" altLang="zh-TW" sz="2800" dirty="0" smtClean="0">
+                <a:solidFill>
+                  <a:srgbClr val="A6B5FF"/>
+                </a:solidFill>
+              </a:rPr>
+              <a:t>NCTU 2019 CV Team 21 </a:t>
+            </a:r>
+            <a:r>
+              <a:rPr lang="en-US" altLang="zh-TW" sz="2800" dirty="0" err="1" smtClean="0">
+                <a:solidFill>
+                  <a:srgbClr val="A6B5FF"/>
+                </a:solidFill>
+              </a:rPr>
+              <a:t>Hsin</a:t>
+            </a:r>
+            <a:r>
+              <a:rPr lang="en-US" altLang="zh-TW" sz="2800" dirty="0" smtClean="0">
+                <a:solidFill>
+                  <a:srgbClr val="A6B5FF"/>
+                </a:solidFill>
+              </a:rPr>
+              <a:t>-Yu </a:t>
+            </a:r>
+            <a:r>
+              <a:rPr lang="en-US" altLang="zh-TW" sz="2800" dirty="0">
+                <a:solidFill>
+                  <a:srgbClr val="A6B5FF"/>
+                </a:solidFill>
+              </a:rPr>
+              <a:t>Chen, Yuan-</a:t>
+            </a:r>
+            <a:r>
+              <a:rPr lang="en-US" altLang="zh-TW" sz="2800" dirty="0" err="1">
+                <a:solidFill>
+                  <a:srgbClr val="A6B5FF"/>
+                </a:solidFill>
+              </a:rPr>
+              <a:t>Syun</a:t>
+            </a:r>
+            <a:r>
+              <a:rPr lang="en-US" altLang="zh-TW" sz="2800" dirty="0">
+                <a:solidFill>
+                  <a:srgbClr val="A6B5FF"/>
+                </a:solidFill>
+              </a:rPr>
+              <a:t> </a:t>
+            </a:r>
+            <a:r>
+              <a:rPr lang="en-US" altLang="zh-TW" sz="2800" dirty="0" smtClean="0">
+                <a:solidFill>
+                  <a:srgbClr val="A6B5FF"/>
+                </a:solidFill>
+              </a:rPr>
+              <a:t>Ye</a:t>
+            </a:r>
+            <a:endParaRPr lang="en-US" altLang="zh-TW" sz="2800" dirty="0">
+              <a:solidFill>
+                <a:srgbClr val="A6B5FF"/>
+              </a:solidFill>
+            </a:endParaRPr>
+          </a:p>
+        </p:txBody>
+      </p:sp>
+      <p:grpSp>
+        <p:nvGrpSpPr>
+          <p:cNvPr id="9" name="群組 8"/>
+          <p:cNvGrpSpPr/>
+          <p:nvPr/>
+        </p:nvGrpSpPr>
+        <p:grpSpPr>
+          <a:xfrm>
+            <a:off x="561515" y="15873319"/>
+            <a:ext cx="9943668" cy="14181002"/>
+            <a:chOff x="596948" y="15547445"/>
+            <a:chExt cx="9943668" cy="14181002"/>
+          </a:xfrm>
+        </p:grpSpPr>
+        <p:sp>
+          <p:nvSpPr>
+            <p:cNvPr id="48" name="圓角矩形 47"/>
+            <p:cNvSpPr/>
+            <p:nvPr/>
+          </p:nvSpPr>
+          <p:spPr>
+            <a:xfrm>
+              <a:off x="596948" y="15547445"/>
+              <a:ext cx="9943668" cy="14181002"/>
+            </a:xfrm>
+            <a:prstGeom prst="roundRect">
+              <a:avLst/>
+            </a:prstGeom>
+            <a:solidFill>
+              <a:schemeClr val="accent3">
+                <a:lumMod val="20000"/>
+                <a:lumOff val="80000"/>
+              </a:schemeClr>
+            </a:solidFill>
+            <a:ln>
+              <a:noFill/>
+            </a:ln>
+          </p:spPr>
+          <p:style>
+            <a:lnRef idx="1">
+              <a:schemeClr val="accent1"/>
+            </a:lnRef>
+            <a:fillRef idx="2">
+              <a:schemeClr val="accent1"/>
+            </a:fillRef>
+            <a:effectRef idx="1">
+              <a:schemeClr val="accent1"/>
+            </a:effectRef>
+            <a:fontRef idx="minor">
+              <a:schemeClr val="dk1"/>
+            </a:fontRef>
+          </p:style>
+          <p:txBody>
+            <a:bodyPr rtlCol="0" anchor="ctr"/>
+            <a:lstStyle/>
+            <a:p>
+              <a:pPr algn="just"/>
+              <a:endParaRPr lang="en-US" altLang="zh-TW" sz="3200" dirty="0" smtClean="0"/>
+            </a:p>
+          </p:txBody>
+        </p:sp>
+        <p:sp>
+          <p:nvSpPr>
+            <p:cNvPr id="15" name="矩形 14"/>
+            <p:cNvSpPr/>
+            <p:nvPr/>
+          </p:nvSpPr>
+          <p:spPr>
+            <a:xfrm>
+              <a:off x="1181101" y="21348103"/>
+              <a:ext cx="8801100" cy="7724548"/>
+            </a:xfrm>
+            <a:prstGeom prst="rect">
+              <a:avLst/>
+            </a:prstGeom>
+            <a:noFill/>
+            <a:ln>
+              <a:noFill/>
+            </a:ln>
+          </p:spPr>
+          <p:style>
+            <a:lnRef idx="1">
+              <a:schemeClr val="accent1"/>
+            </a:lnRef>
+            <a:fillRef idx="2">
+              <a:schemeClr val="accent1"/>
+            </a:fillRef>
+            <a:effectRef idx="1">
+              <a:schemeClr val="accent1"/>
+            </a:effectRef>
+            <a:fontRef idx="minor">
+              <a:schemeClr val="dk1"/>
+            </a:fontRef>
+          </p:style>
+          <p:txBody>
+            <a:bodyPr rtlCol="0" anchor="ctr"/>
+            <a:lstStyle/>
+            <a:p>
+              <a:pPr algn="just"/>
+              <a:r>
+                <a:rPr lang="en-US" altLang="zh-TW" sz="3200" dirty="0" smtClean="0"/>
+                <a:t>We use </a:t>
+              </a:r>
+              <a:r>
+                <a:rPr lang="en-US" altLang="zh-TW" sz="3200" dirty="0">
+                  <a:solidFill>
+                    <a:schemeClr val="tx1"/>
+                  </a:solidFill>
+                </a:rPr>
+                <a:t>a depth camera (</a:t>
+              </a:r>
+              <a:r>
+                <a:rPr lang="en-US" altLang="zh-TW" sz="3200" dirty="0" err="1" smtClean="0">
+                  <a:solidFill>
+                    <a:schemeClr val="tx1"/>
+                  </a:solidFill>
+                </a:rPr>
+                <a:t>CamBoard</a:t>
+              </a:r>
+              <a:r>
+                <a:rPr lang="en-US" altLang="zh-TW" sz="3200" dirty="0" smtClean="0">
+                  <a:solidFill>
+                    <a:schemeClr val="tx1"/>
+                  </a:solidFill>
+                </a:rPr>
+                <a:t> </a:t>
+              </a:r>
+              <a:r>
+                <a:rPr lang="en-US" altLang="zh-TW" sz="3200" dirty="0" err="1" smtClean="0">
+                  <a:solidFill>
+                    <a:schemeClr val="tx1"/>
+                  </a:solidFill>
+                </a:rPr>
+                <a:t>pico</a:t>
+              </a:r>
+              <a:r>
+                <a:rPr lang="en-US" altLang="zh-TW" sz="3200" dirty="0" smtClean="0">
+                  <a:solidFill>
+                    <a:schemeClr val="tx1"/>
+                  </a:solidFill>
+                </a:rPr>
+                <a:t> flex, </a:t>
+              </a:r>
+              <a:r>
+                <a:rPr lang="en-US" altLang="zh-TW" sz="3200" dirty="0">
+                  <a:solidFill>
+                    <a:schemeClr val="tx1"/>
+                  </a:solidFill>
+                </a:rPr>
+                <a:t>which </a:t>
+              </a:r>
+              <a:r>
+                <a:rPr lang="en-US" altLang="zh-TW" sz="3200" dirty="0" smtClean="0">
+                  <a:solidFill>
+                    <a:schemeClr val="tx1"/>
+                  </a:solidFill>
+                </a:rPr>
+                <a:t>Resolution is 244*171 </a:t>
+              </a:r>
+              <a:r>
+                <a:rPr lang="en-US" altLang="zh-TW" sz="3200" dirty="0" err="1" smtClean="0">
+                  <a:solidFill>
+                    <a:schemeClr val="tx1"/>
+                  </a:solidFill>
+                </a:rPr>
+                <a:t>px</a:t>
+              </a:r>
+              <a:r>
+                <a:rPr lang="en-US" altLang="zh-TW" sz="3200" dirty="0">
+                  <a:solidFill>
+                    <a:schemeClr val="tx1"/>
+                  </a:solidFill>
+                </a:rPr>
+                <a:t>, </a:t>
+              </a:r>
+              <a:r>
+                <a:rPr lang="en-US" altLang="zh-TW" sz="3200" dirty="0" smtClean="0">
+                  <a:solidFill>
+                    <a:schemeClr val="tx1"/>
+                  </a:solidFill>
+                </a:rPr>
+                <a:t>placed </a:t>
+              </a:r>
+              <a:r>
+                <a:rPr lang="en-US" altLang="zh-TW" sz="3200" dirty="0">
+                  <a:solidFill>
+                    <a:schemeClr val="tx1"/>
+                  </a:solidFill>
+                </a:rPr>
+                <a:t>on the upper edge of the </a:t>
+              </a:r>
+              <a:r>
+                <a:rPr lang="en-US" altLang="zh-TW" sz="3200" dirty="0" smtClean="0">
+                  <a:solidFill>
+                    <a:schemeClr val="tx1"/>
+                  </a:solidFill>
+                </a:rPr>
+                <a:t>HMD) </a:t>
+              </a:r>
+              <a:r>
+                <a:rPr lang="en-US" altLang="zh-TW" sz="3200" dirty="0" smtClean="0"/>
+                <a:t>with computer vision technology to track the position of the fingertips and determine if a touch has occurred, and design a painting application that uses our techniques. The implementation can be roughly divided into three parts, namely Image Streamer, Tracker Engine and Application.</a:t>
+              </a:r>
+            </a:p>
+            <a:p>
+              <a:pPr marL="457200" indent="-457200" algn="just">
+                <a:buFont typeface="Arial" panose="020B0604020202020204" pitchFamily="34" charset="0"/>
+                <a:buChar char="•"/>
+              </a:pPr>
+              <a:r>
+                <a:rPr lang="en-US" altLang="zh-TW" sz="3200" b="1" dirty="0" smtClean="0"/>
+                <a:t>Image Streamer :  </a:t>
+              </a:r>
+              <a:r>
+                <a:rPr lang="en-US" altLang="zh-TW" sz="3200" dirty="0" smtClean="0"/>
+                <a:t>Save the depth data and infrared image from depth camera</a:t>
+              </a:r>
+            </a:p>
+            <a:p>
+              <a:pPr marL="457200" indent="-457200" algn="just">
+                <a:buFont typeface="Arial" panose="020B0604020202020204" pitchFamily="34" charset="0"/>
+                <a:buChar char="•"/>
+              </a:pPr>
+              <a:r>
+                <a:rPr lang="en-US" altLang="zh-TW" sz="3200" b="1" dirty="0" smtClean="0"/>
+                <a:t>Tracker Engine:</a:t>
+              </a:r>
+              <a:r>
+                <a:rPr lang="zh-TW" altLang="en-US" sz="3200" b="1" dirty="0" smtClean="0"/>
+                <a:t> </a:t>
+              </a:r>
+              <a:r>
+                <a:rPr lang="en-US" altLang="zh-TW" sz="3200" dirty="0" smtClean="0"/>
+                <a:t>In order to track the continuous touch of the same finger.</a:t>
+              </a:r>
+            </a:p>
+            <a:p>
+              <a:pPr marL="457200" indent="-457200" algn="just">
+                <a:buFont typeface="Arial" panose="020B0604020202020204" pitchFamily="34" charset="0"/>
+                <a:buChar char="•"/>
+              </a:pPr>
+              <a:r>
+                <a:rPr lang="en-US" altLang="zh-TW" sz="3200" b="1" dirty="0" smtClean="0"/>
+                <a:t>Application : </a:t>
+              </a:r>
+              <a:r>
+                <a:rPr lang="en-US" altLang="zh-TW" sz="3200" dirty="0" smtClean="0"/>
+                <a:t>a painting application that uses techniques for fingertip tracking and touch detection.</a:t>
+              </a:r>
+              <a:endParaRPr lang="en-US" altLang="zh-TW" sz="3200" dirty="0"/>
+            </a:p>
+          </p:txBody>
+        </p:sp>
+        <p:sp>
+          <p:nvSpPr>
+            <p:cNvPr id="10" name="圓角矩形 9"/>
+            <p:cNvSpPr/>
+            <p:nvPr/>
+          </p:nvSpPr>
+          <p:spPr>
+            <a:xfrm>
+              <a:off x="773191" y="15805178"/>
+              <a:ext cx="9616920" cy="900000"/>
+            </a:xfrm>
+            <a:prstGeom prst="roundRect">
+              <a:avLst/>
+            </a:prstGeom>
+            <a:noFill/>
+            <a:ln>
+              <a:noFill/>
+            </a:ln>
+          </p:spPr>
+          <p:style>
+            <a:lnRef idx="2">
+              <a:schemeClr val="accent1">
+                <a:shade val="50000"/>
+              </a:schemeClr>
+            </a:lnRef>
+            <a:fillRef idx="1">
+              <a:schemeClr val="accent1"/>
+            </a:fillRef>
+            <a:effectRef idx="0">
+              <a:schemeClr val="accent1"/>
+            </a:effectRef>
+            <a:fontRef idx="minor">
+              <a:schemeClr val="lt1"/>
+            </a:fontRef>
+          </p:style>
+          <p:txBody>
+            <a:bodyPr rtlCol="0" anchor="ctr"/>
+            <a:lstStyle/>
+            <a:p>
+              <a:pPr algn="ctr"/>
+              <a:r>
+                <a:rPr lang="en-US" altLang="zh-TW" sz="4800" dirty="0" smtClean="0">
+                  <a:solidFill>
+                    <a:schemeClr val="tx1"/>
+                  </a:solidFill>
+                </a:rPr>
+                <a:t>Architecture </a:t>
+              </a:r>
+              <a:endParaRPr lang="zh-TW" altLang="zh-TW" sz="4800" dirty="0">
+                <a:solidFill>
+                  <a:schemeClr val="tx1"/>
+                </a:solidFill>
+              </a:endParaRPr>
+            </a:p>
+          </p:txBody>
+        </p:sp>
+        <p:grpSp>
+          <p:nvGrpSpPr>
+            <p:cNvPr id="79" name="群組 78"/>
+            <p:cNvGrpSpPr/>
+            <p:nvPr/>
+          </p:nvGrpSpPr>
+          <p:grpSpPr>
+            <a:xfrm>
+              <a:off x="1470334" y="17161708"/>
+              <a:ext cx="8154297" cy="3493444"/>
+              <a:chOff x="1621932" y="17159324"/>
+              <a:chExt cx="8154297" cy="3493444"/>
+            </a:xfrm>
+          </p:grpSpPr>
+          <p:sp>
+            <p:nvSpPr>
+              <p:cNvPr id="3" name="矩形 2"/>
+              <p:cNvSpPr/>
+              <p:nvPr/>
+            </p:nvSpPr>
+            <p:spPr>
+              <a:xfrm>
+                <a:off x="5627513" y="17159324"/>
+                <a:ext cx="4148716" cy="900000"/>
+              </a:xfrm>
+              <a:prstGeom prst="rect">
+                <a:avLst/>
+              </a:prstGeom>
+              <a:solidFill>
+                <a:srgbClr val="2D3A80"/>
+              </a:solidFill>
+              <a:ln>
+                <a:noFill/>
+              </a:ln>
+            </p:spPr>
+            <p:style>
+              <a:lnRef idx="2">
+                <a:schemeClr val="accent1">
+                  <a:shade val="50000"/>
+                </a:schemeClr>
+              </a:lnRef>
+              <a:fillRef idx="1">
+                <a:schemeClr val="accent1"/>
+              </a:fillRef>
+              <a:effectRef idx="0">
+                <a:schemeClr val="accent1"/>
+              </a:effectRef>
+              <a:fontRef idx="minor">
+                <a:schemeClr val="lt1"/>
+              </a:fontRef>
+            </p:style>
+            <p:txBody>
+              <a:bodyPr rtlCol="0" anchor="ctr"/>
+              <a:lstStyle/>
+              <a:p>
+                <a:pPr algn="ctr"/>
+                <a:r>
+                  <a:rPr lang="en-US" altLang="zh-TW" sz="3200" dirty="0" smtClean="0">
+                    <a:solidFill>
+                      <a:schemeClr val="bg1"/>
+                    </a:solidFill>
+                  </a:rPr>
+                  <a:t>Image Steamer</a:t>
+                </a:r>
+                <a:endParaRPr lang="zh-TW" altLang="en-US" sz="3200" dirty="0">
+                  <a:solidFill>
+                    <a:schemeClr val="bg1"/>
+                  </a:solidFill>
+                </a:endParaRPr>
+              </a:p>
+            </p:txBody>
+          </p:sp>
+          <p:sp>
+            <p:nvSpPr>
+              <p:cNvPr id="25" name="矩形 24"/>
+              <p:cNvSpPr/>
+              <p:nvPr/>
+            </p:nvSpPr>
+            <p:spPr>
+              <a:xfrm>
+                <a:off x="5627514" y="18420758"/>
+                <a:ext cx="4148715" cy="900000"/>
+              </a:xfrm>
+              <a:prstGeom prst="rect">
+                <a:avLst/>
+              </a:prstGeom>
+              <a:solidFill>
+                <a:srgbClr val="2D3A80"/>
+              </a:solidFill>
+              <a:ln>
+                <a:noFill/>
+              </a:ln>
+            </p:spPr>
+            <p:style>
+              <a:lnRef idx="2">
+                <a:schemeClr val="accent1">
+                  <a:shade val="50000"/>
+                </a:schemeClr>
+              </a:lnRef>
+              <a:fillRef idx="1">
+                <a:schemeClr val="accent1"/>
+              </a:fillRef>
+              <a:effectRef idx="0">
+                <a:schemeClr val="accent1"/>
+              </a:effectRef>
+              <a:fontRef idx="minor">
+                <a:schemeClr val="lt1"/>
+              </a:fontRef>
+            </p:style>
+            <p:txBody>
+              <a:bodyPr rtlCol="0" anchor="ctr"/>
+              <a:lstStyle/>
+              <a:p>
+                <a:pPr algn="ctr"/>
+                <a:r>
+                  <a:rPr lang="en-US" altLang="zh-TW" sz="3200" dirty="0" smtClean="0">
+                    <a:solidFill>
+                      <a:schemeClr val="bg1"/>
+                    </a:solidFill>
+                  </a:rPr>
+                  <a:t>Tracker Engine</a:t>
+                </a:r>
+                <a:endParaRPr lang="zh-TW" altLang="en-US" sz="3200" dirty="0">
+                  <a:solidFill>
+                    <a:schemeClr val="bg1"/>
+                  </a:solidFill>
+                </a:endParaRPr>
+              </a:p>
+            </p:txBody>
+          </p:sp>
+          <p:sp>
+            <p:nvSpPr>
+              <p:cNvPr id="26" name="矩形 25"/>
+              <p:cNvSpPr/>
+              <p:nvPr/>
+            </p:nvSpPr>
+            <p:spPr>
+              <a:xfrm>
+                <a:off x="5629029" y="19752768"/>
+                <a:ext cx="4147200" cy="900000"/>
+              </a:xfrm>
+              <a:prstGeom prst="rect">
+                <a:avLst/>
+              </a:prstGeom>
+              <a:solidFill>
+                <a:srgbClr val="2D3A80"/>
+              </a:solidFill>
+              <a:ln>
+                <a:noFill/>
+              </a:ln>
+            </p:spPr>
+            <p:style>
+              <a:lnRef idx="2">
+                <a:schemeClr val="accent1">
+                  <a:shade val="50000"/>
+                </a:schemeClr>
+              </a:lnRef>
+              <a:fillRef idx="1">
+                <a:schemeClr val="accent1"/>
+              </a:fillRef>
+              <a:effectRef idx="0">
+                <a:schemeClr val="accent1"/>
+              </a:effectRef>
+              <a:fontRef idx="minor">
+                <a:schemeClr val="lt1"/>
+              </a:fontRef>
+            </p:style>
+            <p:txBody>
+              <a:bodyPr rtlCol="0" anchor="ctr"/>
+              <a:lstStyle/>
+              <a:p>
+                <a:pPr algn="ctr"/>
+                <a:r>
+                  <a:rPr lang="en-US" altLang="zh-TW" sz="3200" dirty="0" smtClean="0">
+                    <a:solidFill>
+                      <a:schemeClr val="bg1"/>
+                    </a:solidFill>
+                  </a:rPr>
+                  <a:t>Application</a:t>
+                </a:r>
+                <a:endParaRPr lang="zh-TW" altLang="en-US" sz="3200" dirty="0">
+                  <a:solidFill>
+                    <a:schemeClr val="bg1"/>
+                  </a:solidFill>
+                </a:endParaRPr>
+              </a:p>
+            </p:txBody>
+          </p:sp>
+          <p:cxnSp>
+            <p:nvCxnSpPr>
+              <p:cNvPr id="42" name="直線接點 41"/>
+              <p:cNvCxnSpPr>
+                <a:stCxn id="3" idx="2"/>
+              </p:cNvCxnSpPr>
+              <p:nvPr/>
+            </p:nvCxnSpPr>
+            <p:spPr>
+              <a:xfrm>
+                <a:off x="7701871" y="18059324"/>
+                <a:ext cx="0" cy="214476"/>
+              </a:xfrm>
+              <a:prstGeom prst="line">
+                <a:avLst/>
+              </a:prstGeom>
+              <a:ln>
+                <a:solidFill>
+                  <a:schemeClr val="tx1"/>
+                </a:solidFill>
+              </a:ln>
+            </p:spPr>
+            <p:style>
+              <a:lnRef idx="1">
+                <a:schemeClr val="accent1"/>
+              </a:lnRef>
+              <a:fillRef idx="0">
+                <a:schemeClr val="accent1"/>
+              </a:fillRef>
+              <a:effectRef idx="0">
+                <a:schemeClr val="accent1"/>
+              </a:effectRef>
+              <a:fontRef idx="minor">
+                <a:schemeClr val="tx1"/>
+              </a:fontRef>
+            </p:style>
+          </p:cxnSp>
+          <p:cxnSp>
+            <p:nvCxnSpPr>
+              <p:cNvPr id="44" name="直線接點 43"/>
+              <p:cNvCxnSpPr/>
+              <p:nvPr/>
+            </p:nvCxnSpPr>
+            <p:spPr>
+              <a:xfrm flipH="1">
+                <a:off x="5336559" y="18273800"/>
+                <a:ext cx="2365313" cy="0"/>
+              </a:xfrm>
+              <a:prstGeom prst="line">
+                <a:avLst/>
+              </a:prstGeom>
+              <a:ln>
+                <a:solidFill>
+                  <a:schemeClr val="tx1"/>
+                </a:solidFill>
+              </a:ln>
+            </p:spPr>
+            <p:style>
+              <a:lnRef idx="1">
+                <a:schemeClr val="accent1"/>
+              </a:lnRef>
+              <a:fillRef idx="0">
+                <a:schemeClr val="accent1"/>
+              </a:fillRef>
+              <a:effectRef idx="0">
+                <a:schemeClr val="accent1"/>
+              </a:effectRef>
+              <a:fontRef idx="minor">
+                <a:schemeClr val="tx1"/>
+              </a:fontRef>
+            </p:style>
+          </p:cxnSp>
+          <p:cxnSp>
+            <p:nvCxnSpPr>
+              <p:cNvPr id="46" name="直線接點 45"/>
+              <p:cNvCxnSpPr/>
+              <p:nvPr/>
+            </p:nvCxnSpPr>
+            <p:spPr>
+              <a:xfrm>
+                <a:off x="5330878" y="18273800"/>
+                <a:ext cx="0" cy="596958"/>
+              </a:xfrm>
+              <a:prstGeom prst="line">
+                <a:avLst/>
+              </a:prstGeom>
+              <a:ln>
+                <a:solidFill>
+                  <a:schemeClr val="tx1"/>
+                </a:solidFill>
+              </a:ln>
+            </p:spPr>
+            <p:style>
+              <a:lnRef idx="1">
+                <a:schemeClr val="accent1"/>
+              </a:lnRef>
+              <a:fillRef idx="0">
+                <a:schemeClr val="accent1"/>
+              </a:fillRef>
+              <a:effectRef idx="0">
+                <a:schemeClr val="accent1"/>
+              </a:effectRef>
+              <a:fontRef idx="minor">
+                <a:schemeClr val="tx1"/>
+              </a:fontRef>
+            </p:style>
+          </p:cxnSp>
+          <p:cxnSp>
+            <p:nvCxnSpPr>
+              <p:cNvPr id="53" name="直線單箭頭接點 52"/>
+              <p:cNvCxnSpPr>
+                <a:endCxn id="25" idx="1"/>
+              </p:cNvCxnSpPr>
+              <p:nvPr/>
+            </p:nvCxnSpPr>
+            <p:spPr>
+              <a:xfrm>
+                <a:off x="5330878" y="18870758"/>
+                <a:ext cx="296636" cy="0"/>
+              </a:xfrm>
+              <a:prstGeom prst="straightConnector1">
+                <a:avLst/>
+              </a:prstGeom>
+              <a:ln>
+                <a:solidFill>
+                  <a:schemeClr val="tx1"/>
+                </a:solidFill>
+                <a:tailEnd type="arrow"/>
+              </a:ln>
+            </p:spPr>
+            <p:style>
+              <a:lnRef idx="1">
+                <a:schemeClr val="accent1"/>
+              </a:lnRef>
+              <a:fillRef idx="0">
+                <a:schemeClr val="accent1"/>
+              </a:fillRef>
+              <a:effectRef idx="0">
+                <a:schemeClr val="accent1"/>
+              </a:effectRef>
+              <a:fontRef idx="minor">
+                <a:schemeClr val="tx1"/>
+              </a:fontRef>
+            </p:style>
+          </p:cxnSp>
+          <p:cxnSp>
+            <p:nvCxnSpPr>
+              <p:cNvPr id="55" name="直線單箭頭接點 54"/>
+              <p:cNvCxnSpPr>
+                <a:stCxn id="73" idx="3"/>
+                <a:endCxn id="3" idx="1"/>
+              </p:cNvCxnSpPr>
+              <p:nvPr/>
+            </p:nvCxnSpPr>
+            <p:spPr>
+              <a:xfrm>
+                <a:off x="4754128" y="17592000"/>
+                <a:ext cx="873385" cy="17324"/>
+              </a:xfrm>
+              <a:prstGeom prst="straightConnector1">
+                <a:avLst/>
+              </a:prstGeom>
+              <a:ln>
+                <a:solidFill>
+                  <a:schemeClr val="tx1"/>
+                </a:solidFill>
+                <a:tailEnd type="arrow"/>
+              </a:ln>
+            </p:spPr>
+            <p:style>
+              <a:lnRef idx="1">
+                <a:schemeClr val="accent1"/>
+              </a:lnRef>
+              <a:fillRef idx="0">
+                <a:schemeClr val="accent1"/>
+              </a:fillRef>
+              <a:effectRef idx="0">
+                <a:schemeClr val="accent1"/>
+              </a:effectRef>
+              <a:fontRef idx="minor">
+                <a:schemeClr val="tx1"/>
+              </a:fontRef>
+            </p:style>
+          </p:cxnSp>
+          <p:cxnSp>
+            <p:nvCxnSpPr>
+              <p:cNvPr id="68" name="直線接點 67"/>
+              <p:cNvCxnSpPr>
+                <a:stCxn id="25" idx="2"/>
+              </p:cNvCxnSpPr>
+              <p:nvPr/>
+            </p:nvCxnSpPr>
+            <p:spPr>
+              <a:xfrm>
+                <a:off x="7701872" y="19320758"/>
+                <a:ext cx="756" cy="248442"/>
+              </a:xfrm>
+              <a:prstGeom prst="line">
+                <a:avLst/>
+              </a:prstGeom>
+              <a:ln>
+                <a:solidFill>
+                  <a:schemeClr val="tx1"/>
+                </a:solidFill>
+                <a:prstDash val="lgDash"/>
+              </a:ln>
+            </p:spPr>
+            <p:style>
+              <a:lnRef idx="1">
+                <a:schemeClr val="accent1"/>
+              </a:lnRef>
+              <a:fillRef idx="0">
+                <a:schemeClr val="accent1"/>
+              </a:fillRef>
+              <a:effectRef idx="0">
+                <a:schemeClr val="accent1"/>
+              </a:effectRef>
+              <a:fontRef idx="minor">
+                <a:schemeClr val="tx1"/>
+              </a:fontRef>
+            </p:style>
+          </p:cxnSp>
+          <p:cxnSp>
+            <p:nvCxnSpPr>
+              <p:cNvPr id="69" name="直線接點 68"/>
+              <p:cNvCxnSpPr/>
+              <p:nvPr/>
+            </p:nvCxnSpPr>
+            <p:spPr>
+              <a:xfrm flipH="1">
+                <a:off x="5337316" y="19569200"/>
+                <a:ext cx="2365313" cy="0"/>
+              </a:xfrm>
+              <a:prstGeom prst="line">
+                <a:avLst/>
+              </a:prstGeom>
+              <a:ln>
+                <a:solidFill>
+                  <a:schemeClr val="tx1"/>
+                </a:solidFill>
+                <a:prstDash val="lgDash"/>
+              </a:ln>
+            </p:spPr>
+            <p:style>
+              <a:lnRef idx="1">
+                <a:schemeClr val="accent1"/>
+              </a:lnRef>
+              <a:fillRef idx="0">
+                <a:schemeClr val="accent1"/>
+              </a:fillRef>
+              <a:effectRef idx="0">
+                <a:schemeClr val="accent1"/>
+              </a:effectRef>
+              <a:fontRef idx="minor">
+                <a:schemeClr val="tx1"/>
+              </a:fontRef>
+            </p:style>
+          </p:cxnSp>
+          <p:cxnSp>
+            <p:nvCxnSpPr>
+              <p:cNvPr id="70" name="直線接點 69"/>
+              <p:cNvCxnSpPr/>
+              <p:nvPr/>
+            </p:nvCxnSpPr>
+            <p:spPr>
+              <a:xfrm>
+                <a:off x="5331635" y="19569200"/>
+                <a:ext cx="0" cy="640500"/>
+              </a:xfrm>
+              <a:prstGeom prst="line">
+                <a:avLst/>
+              </a:prstGeom>
+              <a:ln>
+                <a:solidFill>
+                  <a:schemeClr val="tx1"/>
+                </a:solidFill>
+                <a:prstDash val="lgDash"/>
+              </a:ln>
+            </p:spPr>
+            <p:style>
+              <a:lnRef idx="1">
+                <a:schemeClr val="accent1"/>
+              </a:lnRef>
+              <a:fillRef idx="0">
+                <a:schemeClr val="accent1"/>
+              </a:fillRef>
+              <a:effectRef idx="0">
+                <a:schemeClr val="accent1"/>
+              </a:effectRef>
+              <a:fontRef idx="minor">
+                <a:schemeClr val="tx1"/>
+              </a:fontRef>
+            </p:style>
+          </p:cxnSp>
+          <p:cxnSp>
+            <p:nvCxnSpPr>
+              <p:cNvPr id="71" name="直線單箭頭接點 70"/>
+              <p:cNvCxnSpPr/>
+              <p:nvPr/>
+            </p:nvCxnSpPr>
+            <p:spPr>
+              <a:xfrm>
+                <a:off x="5331635" y="20209700"/>
+                <a:ext cx="296636" cy="0"/>
+              </a:xfrm>
+              <a:prstGeom prst="straightConnector1">
+                <a:avLst/>
+              </a:prstGeom>
+              <a:ln>
+                <a:solidFill>
+                  <a:schemeClr val="tx1"/>
+                </a:solidFill>
+                <a:prstDash val="lgDash"/>
+                <a:tailEnd type="arrow"/>
+              </a:ln>
+            </p:spPr>
+            <p:style>
+              <a:lnRef idx="1">
+                <a:schemeClr val="accent1"/>
+              </a:lnRef>
+              <a:fillRef idx="0">
+                <a:schemeClr val="accent1"/>
+              </a:fillRef>
+              <a:effectRef idx="0">
+                <a:schemeClr val="accent1"/>
+              </a:effectRef>
+              <a:fontRef idx="minor">
+                <a:schemeClr val="tx1"/>
+              </a:fontRef>
+            </p:style>
+          </p:cxnSp>
+          <p:sp>
+            <p:nvSpPr>
+              <p:cNvPr id="72" name="文字方塊 71"/>
+              <p:cNvSpPr txBox="1"/>
+              <p:nvPr/>
+            </p:nvSpPr>
+            <p:spPr>
+              <a:xfrm>
+                <a:off x="1621932" y="19860272"/>
+                <a:ext cx="3738494" cy="584775"/>
+              </a:xfrm>
+              <a:prstGeom prst="rect">
+                <a:avLst/>
+              </a:prstGeom>
+              <a:noFill/>
+            </p:spPr>
+            <p:txBody>
+              <a:bodyPr wrap="square" rtlCol="0">
+                <a:spAutoFit/>
+              </a:bodyPr>
+              <a:lstStyle/>
+              <a:p>
+                <a:r>
+                  <a:rPr lang="en-US" altLang="zh-TW" sz="3200" dirty="0" smtClean="0"/>
+                  <a:t>Touch Information</a:t>
+                </a:r>
+                <a:endParaRPr lang="zh-TW" altLang="en-US" sz="3200" dirty="0"/>
+              </a:p>
+            </p:txBody>
+          </p:sp>
+          <p:sp>
+            <p:nvSpPr>
+              <p:cNvPr id="73" name="文字方塊 72"/>
+              <p:cNvSpPr txBox="1"/>
+              <p:nvPr/>
+            </p:nvSpPr>
+            <p:spPr>
+              <a:xfrm>
+                <a:off x="1621932" y="17299612"/>
+                <a:ext cx="3132196" cy="584775"/>
+              </a:xfrm>
+              <a:prstGeom prst="rect">
+                <a:avLst/>
+              </a:prstGeom>
+              <a:noFill/>
+            </p:spPr>
+            <p:txBody>
+              <a:bodyPr wrap="square" rtlCol="0">
+                <a:spAutoFit/>
+              </a:bodyPr>
+              <a:lstStyle/>
+              <a:p>
+                <a:r>
+                  <a:rPr lang="en-US" altLang="zh-TW" sz="3200" dirty="0" smtClean="0"/>
+                  <a:t>Image Source</a:t>
+                </a:r>
+                <a:endParaRPr lang="zh-TW" altLang="en-US" sz="3200" dirty="0"/>
+              </a:p>
+            </p:txBody>
+          </p:sp>
+          <p:sp>
+            <p:nvSpPr>
+              <p:cNvPr id="77" name="文字方塊 76"/>
+              <p:cNvSpPr txBox="1"/>
+              <p:nvPr/>
+            </p:nvSpPr>
+            <p:spPr>
+              <a:xfrm>
+                <a:off x="7961516" y="19347021"/>
+                <a:ext cx="1293019" cy="461665"/>
+              </a:xfrm>
+              <a:prstGeom prst="rect">
+                <a:avLst/>
+              </a:prstGeom>
+              <a:noFill/>
+            </p:spPr>
+            <p:txBody>
+              <a:bodyPr wrap="square" rtlCol="0">
+                <a:spAutoFit/>
+              </a:bodyPr>
+              <a:lstStyle/>
+              <a:p>
+                <a:r>
+                  <a:rPr lang="en-US" altLang="zh-TW" sz="2400" dirty="0" smtClean="0"/>
+                  <a:t>TCP/IP</a:t>
+                </a:r>
+                <a:endParaRPr lang="zh-TW" altLang="en-US" sz="2400" dirty="0"/>
+              </a:p>
+            </p:txBody>
+          </p:sp>
+        </p:grpSp>
+      </p:grpSp>
+      <p:grpSp>
+        <p:nvGrpSpPr>
+          <p:cNvPr id="11" name="群組 10"/>
+          <p:cNvGrpSpPr/>
+          <p:nvPr/>
+        </p:nvGrpSpPr>
+        <p:grpSpPr>
+          <a:xfrm>
+            <a:off x="11034783" y="20136944"/>
+            <a:ext cx="9915010" cy="9835122"/>
+            <a:chOff x="11020454" y="19863829"/>
+            <a:chExt cx="9943668" cy="9835122"/>
+          </a:xfrm>
+        </p:grpSpPr>
+        <p:sp>
+          <p:nvSpPr>
+            <p:cNvPr id="50" name="圓角矩形 49"/>
+            <p:cNvSpPr/>
+            <p:nvPr/>
+          </p:nvSpPr>
+          <p:spPr>
+            <a:xfrm>
+              <a:off x="11020454" y="19863829"/>
+              <a:ext cx="9943668" cy="9835122"/>
+            </a:xfrm>
+            <a:prstGeom prst="roundRect">
+              <a:avLst/>
+            </a:prstGeom>
+            <a:solidFill>
+              <a:schemeClr val="accent3">
+                <a:lumMod val="20000"/>
+                <a:lumOff val="80000"/>
+              </a:schemeClr>
+            </a:solidFill>
+            <a:ln>
+              <a:noFill/>
+            </a:ln>
+          </p:spPr>
+          <p:style>
+            <a:lnRef idx="1">
+              <a:schemeClr val="accent1"/>
+            </a:lnRef>
+            <a:fillRef idx="2">
+              <a:schemeClr val="accent1"/>
+            </a:fillRef>
+            <a:effectRef idx="1">
+              <a:schemeClr val="accent1"/>
+            </a:effectRef>
+            <a:fontRef idx="minor">
+              <a:schemeClr val="dk1"/>
+            </a:fontRef>
+          </p:style>
+          <p:txBody>
+            <a:bodyPr rtlCol="0" anchor="ctr"/>
+            <a:lstStyle/>
+            <a:p>
+              <a:pPr algn="just"/>
+              <a:endParaRPr lang="en-US" altLang="zh-TW" sz="3200" dirty="0" smtClean="0"/>
+            </a:p>
+          </p:txBody>
+        </p:sp>
+        <p:sp>
+          <p:nvSpPr>
+            <p:cNvPr id="13" name="圓角矩形 12"/>
+            <p:cNvSpPr/>
+            <p:nvPr/>
+          </p:nvSpPr>
+          <p:spPr>
+            <a:xfrm>
+              <a:off x="11307668" y="20108888"/>
+              <a:ext cx="9204205" cy="900000"/>
+            </a:xfrm>
+            <a:prstGeom prst="roundRect">
+              <a:avLst/>
+            </a:prstGeom>
+            <a:noFill/>
+            <a:ln>
+              <a:noFill/>
+            </a:ln>
+          </p:spPr>
+          <p:style>
+            <a:lnRef idx="2">
+              <a:schemeClr val="accent1">
+                <a:shade val="50000"/>
+              </a:schemeClr>
+            </a:lnRef>
+            <a:fillRef idx="1">
+              <a:schemeClr val="accent1"/>
+            </a:fillRef>
+            <a:effectRef idx="0">
+              <a:schemeClr val="accent1"/>
+            </a:effectRef>
+            <a:fontRef idx="minor">
+              <a:schemeClr val="lt1"/>
+            </a:fontRef>
+          </p:style>
+          <p:txBody>
+            <a:bodyPr rtlCol="0" anchor="ctr"/>
+            <a:lstStyle/>
+            <a:p>
+              <a:pPr algn="ctr"/>
+              <a:r>
+                <a:rPr lang="en-US" altLang="zh-TW" sz="4800" dirty="0" smtClean="0">
+                  <a:solidFill>
+                    <a:schemeClr val="tx1"/>
+                  </a:solidFill>
+                </a:rPr>
+                <a:t>Result</a:t>
+              </a:r>
+              <a:r>
+                <a:rPr lang="en-US" altLang="zh-TW" sz="4800" i="1" dirty="0" smtClean="0">
+                  <a:solidFill>
+                    <a:schemeClr val="tx1"/>
+                  </a:solidFill>
+                </a:rPr>
+                <a:t> </a:t>
+              </a:r>
+              <a:endParaRPr lang="zh-TW" altLang="zh-TW" sz="4800" dirty="0">
+                <a:solidFill>
+                  <a:schemeClr val="tx1"/>
+                </a:solidFill>
+              </a:endParaRPr>
+            </a:p>
+          </p:txBody>
+        </p:sp>
+        <p:pic>
+          <p:nvPicPr>
+            <p:cNvPr id="21" name="圖片 20"/>
+            <p:cNvPicPr>
+              <a:picLocks noChangeAspect="1"/>
+            </p:cNvPicPr>
+            <p:nvPr/>
+          </p:nvPicPr>
+          <p:blipFill rotWithShape="1">
+            <a:blip r:embed="rId2"/>
+            <a:srcRect l="9168" t="8467" r="580" b="8200"/>
+            <a:stretch/>
+          </p:blipFill>
+          <p:spPr>
+            <a:xfrm>
+              <a:off x="11561004" y="21445234"/>
+              <a:ext cx="2789542" cy="2095498"/>
+            </a:xfrm>
+            <a:prstGeom prst="rect">
+              <a:avLst/>
+            </a:prstGeom>
+            <a:ln>
+              <a:solidFill>
+                <a:srgbClr val="2D3A80"/>
+              </a:solidFill>
+            </a:ln>
+          </p:spPr>
+        </p:pic>
+        <p:pic>
+          <p:nvPicPr>
+            <p:cNvPr id="22" name="圖片 21"/>
+            <p:cNvPicPr>
+              <a:picLocks noChangeAspect="1"/>
+            </p:cNvPicPr>
+            <p:nvPr/>
+          </p:nvPicPr>
+          <p:blipFill rotWithShape="1">
+            <a:blip r:embed="rId3"/>
+            <a:srcRect l="9747" t="7754" r="-99" b="9180"/>
+            <a:stretch/>
+          </p:blipFill>
+          <p:spPr>
+            <a:xfrm>
+              <a:off x="14593964" y="21451955"/>
+              <a:ext cx="2792619" cy="2088777"/>
+            </a:xfrm>
+            <a:prstGeom prst="rect">
+              <a:avLst/>
+            </a:prstGeom>
+            <a:ln>
+              <a:solidFill>
+                <a:srgbClr val="2D3A80"/>
+              </a:solidFill>
+            </a:ln>
+          </p:spPr>
+        </p:pic>
+        <p:sp>
+          <p:nvSpPr>
+            <p:cNvPr id="90" name="文字方塊 89"/>
+            <p:cNvSpPr txBox="1"/>
+            <p:nvPr/>
+          </p:nvSpPr>
+          <p:spPr>
+            <a:xfrm>
+              <a:off x="11599121" y="24061758"/>
+              <a:ext cx="8747408" cy="5016758"/>
+            </a:xfrm>
+            <a:prstGeom prst="rect">
+              <a:avLst/>
+            </a:prstGeom>
+            <a:noFill/>
+          </p:spPr>
+          <p:txBody>
+            <a:bodyPr wrap="square" rtlCol="0">
+              <a:spAutoFit/>
+            </a:bodyPr>
+            <a:lstStyle/>
+            <a:p>
+              <a:pPr algn="just"/>
+              <a:r>
+                <a:rPr lang="en-US" altLang="zh-TW" sz="3200" dirty="0" smtClean="0"/>
+                <a:t>We use Python as our development used is i5-6300HQ, which takes about </a:t>
+              </a:r>
+              <a:r>
+                <a:rPr lang="en-US" altLang="zh-TW" sz="3200" dirty="0"/>
+                <a:t>1</a:t>
+              </a:r>
+              <a:r>
+                <a:rPr lang="en-US" altLang="zh-TW" sz="3200" dirty="0" smtClean="0"/>
+                <a:t>0ms, and uses multiple threads to receive streaming data for about 110  </a:t>
+              </a:r>
+              <a:r>
+                <a:rPr lang="en-US" altLang="zh-TW" sz="3200" dirty="0" err="1" smtClean="0"/>
+                <a:t>ms.</a:t>
+              </a:r>
+              <a:r>
+                <a:rPr lang="en-US" altLang="zh-TW" sz="3200" dirty="0"/>
+                <a:t> </a:t>
+              </a:r>
+              <a:r>
+                <a:rPr lang="en-US" altLang="zh-TW" sz="3200" dirty="0" smtClean="0"/>
+                <a:t>The average FPS is about 8.4. In summary, our project can be placed on any head-mounted display or glasses, so that interactive detection on the desktop can be achieved, such as selecting an application before mount the HMD enter the virtual reality, or you can write notes on any desktop.</a:t>
+              </a:r>
+            </a:p>
+          </p:txBody>
+        </p:sp>
+      </p:grpSp>
+      <p:grpSp>
+        <p:nvGrpSpPr>
+          <p:cNvPr id="19" name="群組 18"/>
+          <p:cNvGrpSpPr/>
+          <p:nvPr/>
+        </p:nvGrpSpPr>
+        <p:grpSpPr>
+          <a:xfrm>
+            <a:off x="11013380" y="3865359"/>
+            <a:ext cx="9868462" cy="16026475"/>
+            <a:chOff x="11013380" y="3865359"/>
+            <a:chExt cx="9868462" cy="16026475"/>
+          </a:xfrm>
+        </p:grpSpPr>
+        <p:sp>
+          <p:nvSpPr>
+            <p:cNvPr id="49" name="圓角矩形 48"/>
+            <p:cNvSpPr/>
+            <p:nvPr/>
+          </p:nvSpPr>
+          <p:spPr>
+            <a:xfrm>
+              <a:off x="11013380" y="3865359"/>
+              <a:ext cx="9868462" cy="16026475"/>
+            </a:xfrm>
+            <a:prstGeom prst="roundRect">
+              <a:avLst/>
+            </a:prstGeom>
+            <a:solidFill>
+              <a:schemeClr val="accent3">
+                <a:lumMod val="20000"/>
+                <a:lumOff val="80000"/>
+              </a:schemeClr>
+            </a:solidFill>
+            <a:ln>
+              <a:noFill/>
+            </a:ln>
+          </p:spPr>
+          <p:style>
+            <a:lnRef idx="1">
+              <a:schemeClr val="accent1"/>
+            </a:lnRef>
+            <a:fillRef idx="2">
+              <a:schemeClr val="accent1"/>
+            </a:fillRef>
+            <a:effectRef idx="1">
+              <a:schemeClr val="accent1"/>
+            </a:effectRef>
+            <a:fontRef idx="minor">
+              <a:schemeClr val="dk1"/>
+            </a:fontRef>
+          </p:style>
+          <p:txBody>
+            <a:bodyPr rtlCol="0" anchor="ctr"/>
+            <a:lstStyle/>
+            <a:p>
+              <a:pPr algn="just"/>
+              <a:endParaRPr lang="en-US" altLang="zh-TW" sz="3200" dirty="0" smtClean="0"/>
+            </a:p>
+          </p:txBody>
+        </p:sp>
+        <p:sp>
+          <p:nvSpPr>
+            <p:cNvPr id="83" name="矩形 82"/>
+            <p:cNvSpPr/>
+            <p:nvPr/>
+          </p:nvSpPr>
+          <p:spPr>
+            <a:xfrm>
+              <a:off x="11102734" y="4211113"/>
+              <a:ext cx="9779108" cy="900000"/>
+            </a:xfrm>
+            <a:prstGeom prst="rect">
+              <a:avLst/>
+            </a:prstGeom>
+            <a:noFill/>
+            <a:ln>
+              <a:noFill/>
+            </a:ln>
+          </p:spPr>
+          <p:style>
+            <a:lnRef idx="2">
+              <a:schemeClr val="accent1">
+                <a:shade val="50000"/>
+              </a:schemeClr>
+            </a:lnRef>
+            <a:fillRef idx="1">
+              <a:schemeClr val="accent1"/>
+            </a:fillRef>
+            <a:effectRef idx="0">
+              <a:schemeClr val="accent1"/>
+            </a:effectRef>
+            <a:fontRef idx="minor">
+              <a:schemeClr val="lt1"/>
+            </a:fontRef>
+          </p:style>
+          <p:txBody>
+            <a:bodyPr rtlCol="0" anchor="ctr"/>
+            <a:lstStyle/>
+            <a:p>
+              <a:pPr algn="ctr"/>
+              <a:r>
+                <a:rPr lang="en-US" altLang="zh-TW" sz="4800" dirty="0" smtClean="0">
+                  <a:solidFill>
+                    <a:schemeClr val="tx1"/>
+                  </a:solidFill>
+                </a:rPr>
+                <a:t>Tracker Engine</a:t>
+              </a:r>
+              <a:endParaRPr lang="zh-TW" altLang="zh-TW" sz="4800" dirty="0">
+                <a:solidFill>
+                  <a:schemeClr val="tx1"/>
+                </a:solidFill>
+              </a:endParaRPr>
+            </a:p>
+          </p:txBody>
+        </p:sp>
+        <p:sp>
+          <p:nvSpPr>
+            <p:cNvPr id="87" name="文字方塊 86"/>
+            <p:cNvSpPr txBox="1"/>
+            <p:nvPr/>
+          </p:nvSpPr>
+          <p:spPr>
+            <a:xfrm>
+              <a:off x="11467774" y="9998623"/>
+              <a:ext cx="8884468" cy="9448740"/>
+            </a:xfrm>
+            <a:prstGeom prst="rect">
+              <a:avLst/>
+            </a:prstGeom>
+            <a:noFill/>
+          </p:spPr>
+          <p:txBody>
+            <a:bodyPr wrap="square" rtlCol="0">
+              <a:spAutoFit/>
+            </a:bodyPr>
+            <a:lstStyle/>
+            <a:p>
+              <a:pPr marL="685800" indent="-685800" algn="just">
+                <a:buFont typeface="+mj-lt"/>
+                <a:buAutoNum type="arabicPeriod"/>
+              </a:pPr>
+              <a:r>
+                <a:rPr lang="en-US" altLang="zh-TW" sz="3200" dirty="0" smtClean="0"/>
+                <a:t>Using </a:t>
+              </a:r>
+              <a:r>
+                <a:rPr lang="en-US" altLang="zh-TW" sz="3200" b="1" dirty="0" smtClean="0"/>
+                <a:t>RANSAM</a:t>
+              </a:r>
+              <a:r>
+                <a:rPr lang="en-US" altLang="zh-TW" sz="3200" dirty="0" smtClean="0"/>
+                <a:t> to get surface plane normal</a:t>
+              </a:r>
+            </a:p>
+            <a:p>
+              <a:pPr marL="685800" indent="-685800" algn="just">
+                <a:buFont typeface="+mj-lt"/>
+                <a:buAutoNum type="arabicPeriod"/>
+              </a:pPr>
+              <a:r>
+                <a:rPr lang="en-US" altLang="zh-TW" sz="3200" dirty="0" smtClean="0"/>
+                <a:t>Re-projecting depth pixels in surface plane</a:t>
+              </a:r>
+            </a:p>
+            <a:p>
+              <a:pPr marL="685800" indent="-685800" algn="just">
+                <a:buFont typeface="+mj-lt"/>
+                <a:buAutoNum type="arabicPeriod"/>
+              </a:pPr>
+              <a:r>
+                <a:rPr lang="en-US" altLang="zh-TW" sz="3200" dirty="0" smtClean="0"/>
+                <a:t>Find Edge map by merging </a:t>
+              </a:r>
+              <a:r>
+                <a:rPr lang="en-US" altLang="zh-TW" sz="3200" b="1" dirty="0" smtClean="0"/>
+                <a:t>Canny edge </a:t>
+              </a:r>
+              <a:r>
+                <a:rPr lang="en-US" altLang="zh-TW" sz="3200" dirty="0" smtClean="0"/>
+                <a:t>of infrared image and </a:t>
+              </a:r>
+              <a:r>
+                <a:rPr lang="en-US" altLang="zh-TW" sz="3200" b="1" dirty="0" smtClean="0"/>
+                <a:t>threshold</a:t>
+              </a:r>
+              <a:r>
+                <a:rPr lang="en-US" altLang="zh-TW" sz="3200" dirty="0" smtClean="0"/>
+                <a:t> based edge map of depth image</a:t>
+              </a:r>
+            </a:p>
+            <a:p>
+              <a:pPr marL="685800" indent="-685800" algn="just">
+                <a:buFont typeface="+mj-lt"/>
+                <a:buAutoNum type="arabicPeriod"/>
+              </a:pPr>
+              <a:r>
+                <a:rPr lang="en-US" altLang="zh-TW" sz="3200" dirty="0" smtClean="0"/>
+                <a:t>Get high region which depth higher than </a:t>
+              </a:r>
+              <a:r>
+                <a:rPr lang="en-US" altLang="zh-TW" sz="3200" b="1" dirty="0" smtClean="0"/>
+                <a:t>40mm</a:t>
+              </a:r>
+              <a:r>
+                <a:rPr lang="en-US" altLang="zh-TW" sz="3200" dirty="0" smtClean="0"/>
+                <a:t> from surface plane and record its pixels</a:t>
+              </a:r>
+            </a:p>
+            <a:p>
+              <a:pPr marL="685800" indent="-685800" algn="just">
+                <a:buFont typeface="+mj-lt"/>
+                <a:buAutoNum type="arabicPeriod"/>
+              </a:pPr>
+              <a:r>
+                <a:rPr lang="en-US" altLang="zh-TW" sz="3200" dirty="0" smtClean="0"/>
+                <a:t>Travel around the contour of hand mask to find the fingertips</a:t>
+              </a:r>
+              <a:r>
+                <a:rPr lang="zh-TW" altLang="en-US" sz="3200" dirty="0" smtClean="0"/>
+                <a:t> </a:t>
+              </a:r>
+              <a:r>
+                <a:rPr lang="en-US" altLang="zh-TW" sz="3200" dirty="0" smtClean="0"/>
+                <a:t>by finding the largest curvature. </a:t>
+              </a:r>
+              <a:endParaRPr lang="en-US" altLang="zh-TW" sz="3200" dirty="0"/>
+            </a:p>
+            <a:p>
+              <a:pPr marL="685800" indent="-685800" algn="just">
+                <a:buFont typeface="+mj-lt"/>
+                <a:buAutoNum type="arabicPeriod"/>
+              </a:pPr>
+              <a:r>
+                <a:rPr lang="en-US" altLang="zh-TW" sz="3200" dirty="0" smtClean="0"/>
+                <a:t>Use a </a:t>
+              </a:r>
+              <a:r>
+                <a:rPr lang="en-US" altLang="zh-TW" sz="3200" b="1" dirty="0" smtClean="0"/>
+                <a:t>7x7 mask </a:t>
+              </a:r>
+              <a:r>
+                <a:rPr lang="en-US" altLang="zh-TW" sz="3200" dirty="0" smtClean="0"/>
+                <a:t>on fingertips to get max height difference between fingertips and the surface.</a:t>
+              </a:r>
+            </a:p>
+            <a:p>
+              <a:pPr marL="685800" indent="-685800" algn="just">
+                <a:buFont typeface="+mj-lt"/>
+                <a:buAutoNum type="arabicPeriod"/>
+              </a:pPr>
+              <a:r>
+                <a:rPr lang="en-US" altLang="zh-TW" sz="3200" dirty="0" smtClean="0"/>
+                <a:t>The judgment of the touch depends on the </a:t>
+              </a:r>
+              <a:r>
+                <a:rPr lang="en-US" altLang="zh-TW" sz="3200" b="1" dirty="0" smtClean="0"/>
+                <a:t>hysteresis height</a:t>
+              </a:r>
+              <a:r>
+                <a:rPr lang="en-US" altLang="zh-TW" sz="3200" dirty="0" smtClean="0"/>
+                <a:t>, the height is less than </a:t>
+              </a:r>
+              <a:r>
+                <a:rPr lang="en-US" altLang="zh-TW" sz="3200" b="1" dirty="0" smtClean="0"/>
+                <a:t>10mm</a:t>
+              </a:r>
+              <a:r>
+                <a:rPr lang="en-US" altLang="zh-TW" sz="3200" dirty="0" smtClean="0"/>
+                <a:t> to indicate the trigger touch, and the height greater than  </a:t>
+              </a:r>
+              <a:r>
+                <a:rPr lang="en-US" altLang="zh-TW" sz="3200" b="1" dirty="0" smtClean="0"/>
+                <a:t>15 mm </a:t>
+              </a:r>
+              <a:r>
+                <a:rPr lang="en-US" altLang="zh-TW" sz="3200" dirty="0" smtClean="0"/>
+                <a:t>means the left surface</a:t>
+              </a:r>
+              <a:endParaRPr lang="zh-TW" altLang="en-US" sz="3200" dirty="0"/>
+            </a:p>
+          </p:txBody>
+        </p:sp>
+        <p:grpSp>
+          <p:nvGrpSpPr>
+            <p:cNvPr id="5" name="群組 4"/>
+            <p:cNvGrpSpPr/>
+            <p:nvPr/>
+          </p:nvGrpSpPr>
+          <p:grpSpPr>
+            <a:xfrm>
+              <a:off x="11411916" y="5456867"/>
+              <a:ext cx="8729021" cy="4070813"/>
+              <a:chOff x="11272350" y="5398342"/>
+              <a:chExt cx="8729021" cy="4070813"/>
+            </a:xfrm>
+          </p:grpSpPr>
+          <p:sp>
+            <p:nvSpPr>
+              <p:cNvPr id="84" name="矩形 83"/>
+              <p:cNvSpPr/>
+              <p:nvPr/>
+            </p:nvSpPr>
+            <p:spPr>
+              <a:xfrm>
+                <a:off x="14952788" y="5398342"/>
+                <a:ext cx="5048583" cy="1080000"/>
+              </a:xfrm>
+              <a:prstGeom prst="rect">
+                <a:avLst/>
+              </a:prstGeom>
+              <a:solidFill>
+                <a:srgbClr val="2D3A80"/>
+              </a:solidFill>
+              <a:ln>
+                <a:noFill/>
+              </a:ln>
+            </p:spPr>
+            <p:style>
+              <a:lnRef idx="2">
+                <a:schemeClr val="accent1">
+                  <a:shade val="50000"/>
+                </a:schemeClr>
+              </a:lnRef>
+              <a:fillRef idx="1">
+                <a:schemeClr val="accent1"/>
+              </a:fillRef>
+              <a:effectRef idx="0">
+                <a:schemeClr val="accent1"/>
+              </a:effectRef>
+              <a:fontRef idx="minor">
+                <a:schemeClr val="lt1"/>
+              </a:fontRef>
+            </p:style>
+            <p:txBody>
+              <a:bodyPr rtlCol="0" anchor="ctr"/>
+              <a:lstStyle/>
+              <a:p>
+                <a:pPr algn="ctr"/>
+                <a:r>
+                  <a:rPr lang="en-US" altLang="zh-TW" sz="3200" dirty="0" smtClean="0">
+                    <a:solidFill>
+                      <a:schemeClr val="bg1"/>
+                    </a:solidFill>
+                  </a:rPr>
+                  <a:t>Find Surface Plane</a:t>
+                </a:r>
+                <a:endParaRPr lang="zh-TW" altLang="en-US" sz="3200" dirty="0">
+                  <a:solidFill>
+                    <a:schemeClr val="bg1"/>
+                  </a:solidFill>
+                </a:endParaRPr>
+              </a:p>
+            </p:txBody>
+          </p:sp>
+          <p:sp>
+            <p:nvSpPr>
+              <p:cNvPr id="85" name="矩形 84"/>
+              <p:cNvSpPr/>
+              <p:nvPr/>
+            </p:nvSpPr>
+            <p:spPr>
+              <a:xfrm>
+                <a:off x="14952788" y="6877607"/>
+                <a:ext cx="5048583" cy="1080000"/>
+              </a:xfrm>
+              <a:prstGeom prst="rect">
+                <a:avLst/>
+              </a:prstGeom>
+              <a:solidFill>
+                <a:srgbClr val="2D3A80"/>
+              </a:solidFill>
+              <a:ln>
+                <a:noFill/>
+              </a:ln>
+            </p:spPr>
+            <p:style>
+              <a:lnRef idx="2">
+                <a:schemeClr val="accent1">
+                  <a:shade val="50000"/>
+                </a:schemeClr>
+              </a:lnRef>
+              <a:fillRef idx="1">
+                <a:schemeClr val="accent1"/>
+              </a:fillRef>
+              <a:effectRef idx="0">
+                <a:schemeClr val="accent1"/>
+              </a:effectRef>
+              <a:fontRef idx="minor">
+                <a:schemeClr val="lt1"/>
+              </a:fontRef>
+            </p:style>
+            <p:txBody>
+              <a:bodyPr rtlCol="0" anchor="ctr"/>
+              <a:lstStyle/>
+              <a:p>
+                <a:pPr algn="ctr"/>
+                <a:r>
+                  <a:rPr lang="en-US" altLang="zh-TW" sz="3200" dirty="0" smtClean="0">
+                    <a:solidFill>
+                      <a:schemeClr val="bg1"/>
+                    </a:solidFill>
+                  </a:rPr>
+                  <a:t>Find a clear hand mask</a:t>
+                </a:r>
+                <a:endParaRPr lang="zh-TW" altLang="en-US" sz="3200" dirty="0">
+                  <a:solidFill>
+                    <a:schemeClr val="bg1"/>
+                  </a:solidFill>
+                </a:endParaRPr>
+              </a:p>
+            </p:txBody>
+          </p:sp>
+          <p:sp>
+            <p:nvSpPr>
+              <p:cNvPr id="86" name="矩形 85"/>
+              <p:cNvSpPr/>
+              <p:nvPr/>
+            </p:nvSpPr>
+            <p:spPr>
+              <a:xfrm>
+                <a:off x="14941572" y="8389155"/>
+                <a:ext cx="5059799" cy="1080000"/>
+              </a:xfrm>
+              <a:prstGeom prst="rect">
+                <a:avLst/>
+              </a:prstGeom>
+              <a:solidFill>
+                <a:srgbClr val="2D3A80"/>
+              </a:solidFill>
+              <a:ln>
+                <a:noFill/>
+              </a:ln>
+            </p:spPr>
+            <p:style>
+              <a:lnRef idx="2">
+                <a:schemeClr val="accent1">
+                  <a:shade val="50000"/>
+                </a:schemeClr>
+              </a:lnRef>
+              <a:fillRef idx="1">
+                <a:schemeClr val="accent1"/>
+              </a:fillRef>
+              <a:effectRef idx="0">
+                <a:schemeClr val="accent1"/>
+              </a:effectRef>
+              <a:fontRef idx="minor">
+                <a:schemeClr val="lt1"/>
+              </a:fontRef>
+            </p:style>
+            <p:txBody>
+              <a:bodyPr rtlCol="0" anchor="ctr"/>
+              <a:lstStyle/>
+              <a:p>
+                <a:pPr algn="ctr"/>
+                <a:r>
+                  <a:rPr lang="en-US" altLang="zh-TW" sz="3200" dirty="0" smtClean="0">
+                    <a:solidFill>
+                      <a:schemeClr val="bg1"/>
+                    </a:solidFill>
+                  </a:rPr>
+                  <a:t>Fingertip tracking </a:t>
+                </a:r>
+                <a:endParaRPr lang="en-US" altLang="zh-TW" sz="3200" dirty="0" smtClean="0">
+                  <a:solidFill>
+                    <a:schemeClr val="bg1"/>
+                  </a:solidFill>
+                </a:endParaRPr>
+              </a:p>
+              <a:p>
+                <a:pPr algn="ctr"/>
+                <a:r>
+                  <a:rPr lang="en-US" altLang="zh-TW" sz="3200" dirty="0" smtClean="0">
+                    <a:solidFill>
+                      <a:schemeClr val="bg1"/>
+                    </a:solidFill>
+                  </a:rPr>
+                  <a:t>&amp; touch </a:t>
+                </a:r>
+                <a:r>
+                  <a:rPr lang="en-US" altLang="zh-TW" sz="3200" dirty="0" smtClean="0">
+                    <a:solidFill>
+                      <a:schemeClr val="bg1"/>
+                    </a:solidFill>
+                  </a:rPr>
+                  <a:t>detection</a:t>
+                </a:r>
+                <a:endParaRPr lang="zh-TW" altLang="en-US" sz="3200" dirty="0">
+                  <a:solidFill>
+                    <a:schemeClr val="bg1"/>
+                  </a:solidFill>
+                </a:endParaRPr>
+              </a:p>
+            </p:txBody>
+          </p:sp>
+          <p:cxnSp>
+            <p:nvCxnSpPr>
+              <p:cNvPr id="92" name="直線單箭頭接點 91"/>
+              <p:cNvCxnSpPr/>
+              <p:nvPr/>
+            </p:nvCxnSpPr>
+            <p:spPr>
+              <a:xfrm>
+                <a:off x="14295559" y="5938342"/>
+                <a:ext cx="646013" cy="0"/>
+              </a:xfrm>
+              <a:prstGeom prst="straightConnector1">
+                <a:avLst/>
+              </a:prstGeom>
+              <a:ln>
+                <a:solidFill>
+                  <a:schemeClr val="tx1"/>
+                </a:solidFill>
+                <a:tailEnd type="arrow"/>
+              </a:ln>
+            </p:spPr>
+            <p:style>
+              <a:lnRef idx="1">
+                <a:schemeClr val="accent1"/>
+              </a:lnRef>
+              <a:fillRef idx="0">
+                <a:schemeClr val="accent1"/>
+              </a:fillRef>
+              <a:effectRef idx="0">
+                <a:schemeClr val="accent1"/>
+              </a:effectRef>
+              <a:fontRef idx="minor">
+                <a:schemeClr val="tx1"/>
+              </a:fontRef>
+            </p:style>
+          </p:cxnSp>
+          <p:cxnSp>
+            <p:nvCxnSpPr>
+              <p:cNvPr id="96" name="直線單箭頭接點 95"/>
+              <p:cNvCxnSpPr>
+                <a:stCxn id="84" idx="2"/>
+                <a:endCxn id="85" idx="0"/>
+              </p:cNvCxnSpPr>
+              <p:nvPr/>
+            </p:nvCxnSpPr>
+            <p:spPr>
+              <a:xfrm>
+                <a:off x="17477080" y="6478342"/>
+                <a:ext cx="0" cy="399265"/>
+              </a:xfrm>
+              <a:prstGeom prst="straightConnector1">
+                <a:avLst/>
+              </a:prstGeom>
+              <a:ln>
+                <a:solidFill>
+                  <a:schemeClr val="tx1"/>
+                </a:solidFill>
+                <a:tailEnd type="arrow"/>
+              </a:ln>
+            </p:spPr>
+            <p:style>
+              <a:lnRef idx="1">
+                <a:schemeClr val="accent1"/>
+              </a:lnRef>
+              <a:fillRef idx="0">
+                <a:schemeClr val="accent1"/>
+              </a:fillRef>
+              <a:effectRef idx="0">
+                <a:schemeClr val="accent1"/>
+              </a:effectRef>
+              <a:fontRef idx="minor">
+                <a:schemeClr val="tx1"/>
+              </a:fontRef>
+            </p:style>
+          </p:cxnSp>
+          <p:cxnSp>
+            <p:nvCxnSpPr>
+              <p:cNvPr id="98" name="直線單箭頭接點 97"/>
+              <p:cNvCxnSpPr>
+                <a:stCxn id="85" idx="2"/>
+                <a:endCxn id="86" idx="0"/>
+              </p:cNvCxnSpPr>
+              <p:nvPr/>
+            </p:nvCxnSpPr>
+            <p:spPr>
+              <a:xfrm flipH="1">
+                <a:off x="17471472" y="7957607"/>
+                <a:ext cx="5608" cy="431548"/>
+              </a:xfrm>
+              <a:prstGeom prst="straightConnector1">
+                <a:avLst/>
+              </a:prstGeom>
+              <a:ln>
+                <a:solidFill>
+                  <a:schemeClr val="tx1"/>
+                </a:solidFill>
+                <a:tailEnd type="arrow"/>
+              </a:ln>
+            </p:spPr>
+            <p:style>
+              <a:lnRef idx="1">
+                <a:schemeClr val="accent1"/>
+              </a:lnRef>
+              <a:fillRef idx="0">
+                <a:schemeClr val="accent1"/>
+              </a:fillRef>
+              <a:effectRef idx="0">
+                <a:schemeClr val="accent1"/>
+              </a:effectRef>
+              <a:fontRef idx="minor">
+                <a:schemeClr val="tx1"/>
+              </a:fontRef>
+            </p:style>
+          </p:cxnSp>
+          <p:sp>
+            <p:nvSpPr>
+              <p:cNvPr id="99" name="文字方塊 98"/>
+              <p:cNvSpPr txBox="1"/>
+              <p:nvPr/>
+            </p:nvSpPr>
+            <p:spPr>
+              <a:xfrm>
+                <a:off x="11272350" y="5645954"/>
+                <a:ext cx="2985113" cy="584775"/>
+              </a:xfrm>
+              <a:prstGeom prst="rect">
+                <a:avLst/>
+              </a:prstGeom>
+              <a:noFill/>
+            </p:spPr>
+            <p:txBody>
+              <a:bodyPr wrap="none" rtlCol="0">
+                <a:spAutoFit/>
+              </a:bodyPr>
+              <a:lstStyle/>
+              <a:p>
+                <a:r>
+                  <a:rPr lang="en-US" altLang="zh-TW" sz="3200" dirty="0" smtClean="0"/>
+                  <a:t>Image Steamer</a:t>
+                </a:r>
+                <a:endParaRPr lang="zh-TW" altLang="en-US" sz="3200" dirty="0"/>
+              </a:p>
+            </p:txBody>
+          </p:sp>
+        </p:grpSp>
+      </p:grpSp>
+      <p:grpSp>
+        <p:nvGrpSpPr>
+          <p:cNvPr id="12" name="群組 11"/>
+          <p:cNvGrpSpPr/>
+          <p:nvPr/>
+        </p:nvGrpSpPr>
+        <p:grpSpPr>
+          <a:xfrm>
+            <a:off x="798009" y="3868693"/>
+            <a:ext cx="9918736" cy="11757647"/>
+            <a:chOff x="798009" y="3868693"/>
+            <a:chExt cx="9918736" cy="11757647"/>
+          </a:xfrm>
+        </p:grpSpPr>
+        <p:sp>
+          <p:nvSpPr>
+            <p:cNvPr id="14" name="圓角矩形 13"/>
+            <p:cNvSpPr/>
+            <p:nvPr/>
+          </p:nvSpPr>
+          <p:spPr>
+            <a:xfrm>
+              <a:off x="798009" y="3868693"/>
+              <a:ext cx="9673528" cy="11757647"/>
+            </a:xfrm>
+            <a:prstGeom prst="roundRect">
+              <a:avLst/>
+            </a:prstGeom>
+            <a:solidFill>
+              <a:schemeClr val="accent3">
+                <a:lumMod val="20000"/>
+                <a:lumOff val="80000"/>
+              </a:schemeClr>
+            </a:solidFill>
+            <a:ln>
+              <a:noFill/>
+            </a:ln>
+          </p:spPr>
+          <p:style>
+            <a:lnRef idx="1">
+              <a:schemeClr val="accent1"/>
+            </a:lnRef>
+            <a:fillRef idx="2">
+              <a:schemeClr val="accent1"/>
+            </a:fillRef>
+            <a:effectRef idx="1">
+              <a:schemeClr val="accent1"/>
+            </a:effectRef>
+            <a:fontRef idx="minor">
+              <a:schemeClr val="dk1"/>
+            </a:fontRef>
+          </p:style>
+          <p:txBody>
+            <a:bodyPr rtlCol="0" anchor="ctr"/>
+            <a:lstStyle/>
+            <a:p>
+              <a:pPr algn="just"/>
+              <a:endParaRPr lang="en-US" altLang="zh-TW" sz="3200" dirty="0" smtClean="0"/>
+            </a:p>
+          </p:txBody>
+        </p:sp>
+        <p:sp>
+          <p:nvSpPr>
+            <p:cNvPr id="6" name="流程圖: 替代處理程序 5"/>
+            <p:cNvSpPr/>
+            <p:nvPr/>
+          </p:nvSpPr>
+          <p:spPr>
+            <a:xfrm>
+              <a:off x="822941" y="4211113"/>
+              <a:ext cx="9893804" cy="900000"/>
+            </a:xfrm>
+            <a:prstGeom prst="flowChartAlternateProcess">
+              <a:avLst/>
+            </a:prstGeom>
+            <a:noFill/>
+            <a:ln>
+              <a:noFill/>
+            </a:ln>
+          </p:spPr>
+          <p:style>
+            <a:lnRef idx="2">
+              <a:schemeClr val="accent1">
+                <a:shade val="50000"/>
+              </a:schemeClr>
+            </a:lnRef>
+            <a:fillRef idx="1">
+              <a:schemeClr val="accent1"/>
+            </a:fillRef>
+            <a:effectRef idx="0">
+              <a:schemeClr val="accent1"/>
+            </a:effectRef>
+            <a:fontRef idx="minor">
+              <a:schemeClr val="lt1"/>
+            </a:fontRef>
+          </p:style>
+          <p:txBody>
+            <a:bodyPr rtlCol="0" anchor="ctr"/>
+            <a:lstStyle/>
+            <a:p>
+              <a:pPr algn="ctr"/>
+              <a:r>
+                <a:rPr lang="en-US" altLang="zh-TW" sz="4800" dirty="0" smtClean="0">
+                  <a:solidFill>
+                    <a:schemeClr val="tx1"/>
+                  </a:solidFill>
+                </a:rPr>
+                <a:t>Motivation</a:t>
+              </a:r>
+              <a:endParaRPr lang="zh-TW" altLang="zh-TW" sz="4800" dirty="0">
+                <a:solidFill>
+                  <a:schemeClr val="tx1"/>
+                </a:solidFill>
+              </a:endParaRPr>
+            </a:p>
+          </p:txBody>
+        </p:sp>
+        <p:sp>
+          <p:nvSpPr>
+            <p:cNvPr id="7" name="文字方塊 6"/>
+            <p:cNvSpPr txBox="1"/>
+            <p:nvPr/>
+          </p:nvSpPr>
+          <p:spPr>
+            <a:xfrm>
+              <a:off x="1532007" y="9700305"/>
+              <a:ext cx="8431331" cy="5016758"/>
+            </a:xfrm>
+            <a:prstGeom prst="rect">
+              <a:avLst/>
+            </a:prstGeom>
+            <a:noFill/>
+          </p:spPr>
+          <p:txBody>
+            <a:bodyPr wrap="square" rtlCol="0">
+              <a:spAutoFit/>
+            </a:bodyPr>
+            <a:lstStyle/>
+            <a:p>
+              <a:pPr algn="just"/>
+              <a:r>
+                <a:rPr lang="en-US" altLang="zh-TW" sz="3200" dirty="0"/>
+                <a:t>Nowadays, various products and applications related to AR and VR are becoming more and more popular. And in the near future, mobile HMD will exist in people‘s daily lives. </a:t>
+              </a:r>
+              <a:r>
+                <a:rPr lang="en-US" altLang="zh-TW" sz="3200" b="1" dirty="0"/>
+                <a:t>The features that can be operated on the VR scene only after the HMD is put on will become less intuitive and inconvenient.</a:t>
+              </a:r>
+              <a:r>
+                <a:rPr lang="en-US" altLang="zh-TW" sz="3200" dirty="0"/>
+                <a:t> Therefore, we hope that when the HMD is placed on the desktop, the user can manipulate the VR scene in some way</a:t>
+              </a:r>
+              <a:r>
+                <a:rPr lang="en-US" altLang="zh-TW" sz="3200" dirty="0" smtClean="0"/>
+                <a:t>.</a:t>
+              </a:r>
+              <a:endParaRPr lang="en-US" altLang="zh-TW" sz="3200" dirty="0"/>
+            </a:p>
+          </p:txBody>
+        </p:sp>
+      </p:grpSp>
+      <p:pic>
+        <p:nvPicPr>
+          <p:cNvPr id="28" name="圖片 27"/>
+          <p:cNvPicPr>
+            <a:picLocks noChangeAspect="1"/>
+          </p:cNvPicPr>
+          <p:nvPr/>
+        </p:nvPicPr>
+        <p:blipFill>
+          <a:blip r:embed="rId4">
+            <a:extLst>
+              <a:ext uri="{28A0092B-C50C-407E-A947-70E740481C1C}">
+                <a14:useLocalDpi xmlns:a14="http://schemas.microsoft.com/office/drawing/2010/main" val="0"/>
+              </a:ext>
+            </a:extLst>
+          </a:blip>
+          <a:stretch>
+            <a:fillRect/>
+          </a:stretch>
+        </p:blipFill>
+        <p:spPr>
+          <a:xfrm>
+            <a:off x="2960539" y="5561113"/>
+            <a:ext cx="5567256" cy="3897080"/>
+          </a:xfrm>
+          <a:prstGeom prst="rect">
+            <a:avLst/>
+          </a:prstGeom>
+        </p:spPr>
+      </p:pic>
+      <p:pic>
+        <p:nvPicPr>
+          <p:cNvPr id="8" name="圖片 7"/>
+          <p:cNvPicPr>
+            <a:picLocks noChangeAspect="1"/>
+          </p:cNvPicPr>
+          <p:nvPr/>
+        </p:nvPicPr>
+        <p:blipFill rotWithShape="1">
+          <a:blip r:embed="rId5"/>
+          <a:srcRect l="203" t="23496" r="58784" b="43375"/>
+          <a:stretch/>
+        </p:blipFill>
+        <p:spPr>
+          <a:xfrm flipH="1">
+            <a:off x="17564619" y="21725071"/>
+            <a:ext cx="2851404" cy="2134496"/>
+          </a:xfrm>
+          <a:prstGeom prst="rect">
+            <a:avLst/>
+          </a:prstGeom>
+        </p:spPr>
+      </p:pic>
+    </p:spTree>
+    <p:extLst>
+      <p:ext uri="{BB962C8B-B14F-4D97-AF65-F5344CB8AC3E}">
+        <p14:creationId xmlns:p14="http://schemas.microsoft.com/office/powerpoint/2010/main" val="292840663"/>
+      </p:ext>
+    </p:extLst>
+  </p:cSld>
+  <p:clrMapOvr>
+    <a:masterClrMapping/>
+  </p:clrMapOvr>
+  <p:timing>
+    <p:tnLst>
+      <p:par>
+        <p:cTn id="1" dur="indefinite" restart="never" nodeType="tmRoot"/>
+      </p:par>
+    </p:tnLst>
+  </p:timing>
 </p:sld>
 </file>
 
@@ -3807,76 +6049,16 @@
         <a:srgbClr val="954F72"/>
       </a:folHlink>
     </a:clrScheme>
-    <a:fontScheme name="Office 佈景主題">
+    <a:fontScheme name="自訂 1">
       <a:majorFont>
-        <a:latin typeface="Calibri Light" panose="020F0302020204030204"/>
-        <a:ea typeface=""/>
+        <a:latin typeface="Arial"/>
+        <a:ea typeface="標楷體"/>
         <a:cs typeface=""/>
-        <a:font script="Jpan" typeface="ＭＳ Ｐゴシック"/>
-        <a:font script="Hang" typeface="맑은 고딕"/>
-        <a:font script="Hans" typeface="宋体"/>
-        <a:font script="Hant" typeface="新細明體"/>
-        <a:font script="Arab" typeface="Times New Roman"/>
-        <a:font script="Hebr" typeface="Times New Roman"/>
-        <a:font script="Thai" typeface="Angsana New"/>
-        <a:font script="Ethi" typeface="Nyala"/>
-        <a:font script="Beng" typeface="Vrinda"/>
-        <a:font script="Gujr" typeface="Shruti"/>
-        <a:font script="Khmr" typeface="MoolBoran"/>
-        <a:font script="Knda" typeface="Tunga"/>
-        <a:font script="Guru" typeface="Raavi"/>
-        <a:font script="Cans" typeface="Euphemia"/>
-        <a:font script="Cher" typeface="Plantagenet Cherokee"/>
-        <a:font script="Yiii" typeface="Microsoft Yi Baiti"/>
-        <a:font script="Tibt" typeface="Microsoft Himalaya"/>
-        <a:font script="Thaa" typeface="MV Boli"/>
-        <a:font script="Deva" typeface="Mangal"/>
-        <a:font script="Telu" typeface="Gautami"/>
-        <a:font script="Taml" typeface="Latha"/>
-        <a:font script="Syrc" typeface="Estrangelo Edessa"/>
-        <a:font script="Orya" typeface="Kalinga"/>
-        <a:font script="Mlym" typeface="Kartika"/>
-        <a:font script="Laoo" typeface="DokChampa"/>
-        <a:font script="Sinh" typeface="Iskoola Pota"/>
-        <a:font script="Mong" typeface="Mongolian Baiti"/>
-        <a:font script="Viet" typeface="Times New Roman"/>
-        <a:font script="Uigh" typeface="Microsoft Uighur"/>
-        <a:font script="Geor" typeface="Sylfaen"/>
       </a:majorFont>
       <a:minorFont>
-        <a:latin typeface="Calibri" panose="020F0502020204030204"/>
-        <a:ea typeface=""/>
+        <a:latin typeface="Arial"/>
+        <a:ea typeface="標楷體"/>
         <a:cs typeface=""/>
-        <a:font script="Jpan" typeface="ＭＳ Ｐゴシック"/>
-        <a:font script="Hang" typeface="맑은 고딕"/>
-        <a:font script="Hans" typeface="宋体"/>
-        <a:font script="Hant" typeface="新細明體"/>
-        <a:font script="Arab" typeface="Arial"/>
-        <a:font script="Hebr" typeface="Arial"/>
-        <a:font script="Thai" typeface="Cordia New"/>
-        <a:font script="Ethi" typeface="Nyala"/>
-        <a:font script="Beng" typeface="Vrinda"/>
-        <a:font script="Gujr" typeface="Shruti"/>
-        <a:font script="Khmr" typeface="DaunPenh"/>
-        <a:font script="Knda" typeface="Tunga"/>
-        <a:font script="Guru" typeface="Raavi"/>
-        <a:font script="Cans" typeface="Euphemia"/>
-        <a:font script="Cher" typeface="Plantagenet Cherokee"/>
-        <a:font script="Yiii" typeface="Microsoft Yi Baiti"/>
-        <a:font script="Tibt" typeface="Microsoft Himalaya"/>
-        <a:font script="Thaa" typeface="MV Boli"/>
-        <a:font script="Deva" typeface="Mangal"/>
-        <a:font script="Telu" typeface="Gautami"/>
-        <a:font script="Taml" typeface="Latha"/>
-        <a:font script="Syrc" typeface="Estrangelo Edessa"/>
-        <a:font script="Orya" typeface="Kalinga"/>
-        <a:font script="Mlym" typeface="Kartika"/>
-        <a:font script="Laoo" typeface="DokChampa"/>
-        <a:font script="Sinh" typeface="Iskoola Pota"/>
-        <a:font script="Mong" typeface="Mongolian Baiti"/>
-        <a:font script="Viet" typeface="Arial"/>
-        <a:font script="Uigh" typeface="Microsoft Uighur"/>
-        <a:font script="Geor" typeface="Sylfaen"/>
       </a:minorFont>
     </a:fontScheme>
     <a:fmtScheme name="Office 佈景主題">
